--- a/blog/Lucene/Index/索引文件的生成/索引文件的生成（二十三）/fdx&&fdt&&fdm.pptx
+++ b/blog/Lucene/Index/索引文件的生成/索引文件的生成（二十三）/fdx&&fdt&&fdm.pptx
@@ -277,7 +277,7 @@
           <a:p>
             <a:fld id="{2579BE28-8116-0E46-93C2-74159096E69E}" type="datetimeFigureOut">
               <a:rPr kumimoji="1" lang="zh-CN" altLang="en-US" smtClean="0"/>
-              <a:t>2020/10/14</a:t>
+              <a:t>2020/10/16</a:t>
             </a:fld>
             <a:endParaRPr kumimoji="1" lang="zh-CN" altLang="en-US"/>
           </a:p>
@@ -475,7 +475,7 @@
           <a:p>
             <a:fld id="{2579BE28-8116-0E46-93C2-74159096E69E}" type="datetimeFigureOut">
               <a:rPr kumimoji="1" lang="zh-CN" altLang="en-US" smtClean="0"/>
-              <a:t>2020/10/14</a:t>
+              <a:t>2020/10/16</a:t>
             </a:fld>
             <a:endParaRPr kumimoji="1" lang="zh-CN" altLang="en-US"/>
           </a:p>
@@ -683,7 +683,7 @@
           <a:p>
             <a:fld id="{2579BE28-8116-0E46-93C2-74159096E69E}" type="datetimeFigureOut">
               <a:rPr kumimoji="1" lang="zh-CN" altLang="en-US" smtClean="0"/>
-              <a:t>2020/10/14</a:t>
+              <a:t>2020/10/16</a:t>
             </a:fld>
             <a:endParaRPr kumimoji="1" lang="zh-CN" altLang="en-US"/>
           </a:p>
@@ -881,7 +881,7 @@
           <a:p>
             <a:fld id="{2579BE28-8116-0E46-93C2-74159096E69E}" type="datetimeFigureOut">
               <a:rPr kumimoji="1" lang="zh-CN" altLang="en-US" smtClean="0"/>
-              <a:t>2020/10/14</a:t>
+              <a:t>2020/10/16</a:t>
             </a:fld>
             <a:endParaRPr kumimoji="1" lang="zh-CN" altLang="en-US"/>
           </a:p>
@@ -1156,7 +1156,7 @@
           <a:p>
             <a:fld id="{2579BE28-8116-0E46-93C2-74159096E69E}" type="datetimeFigureOut">
               <a:rPr kumimoji="1" lang="zh-CN" altLang="en-US" smtClean="0"/>
-              <a:t>2020/10/14</a:t>
+              <a:t>2020/10/16</a:t>
             </a:fld>
             <a:endParaRPr kumimoji="1" lang="zh-CN" altLang="en-US"/>
           </a:p>
@@ -1421,7 +1421,7 @@
           <a:p>
             <a:fld id="{2579BE28-8116-0E46-93C2-74159096E69E}" type="datetimeFigureOut">
               <a:rPr kumimoji="1" lang="zh-CN" altLang="en-US" smtClean="0"/>
-              <a:t>2020/10/14</a:t>
+              <a:t>2020/10/16</a:t>
             </a:fld>
             <a:endParaRPr kumimoji="1" lang="zh-CN" altLang="en-US"/>
           </a:p>
@@ -1833,7 +1833,7 @@
           <a:p>
             <a:fld id="{2579BE28-8116-0E46-93C2-74159096E69E}" type="datetimeFigureOut">
               <a:rPr kumimoji="1" lang="zh-CN" altLang="en-US" smtClean="0"/>
-              <a:t>2020/10/14</a:t>
+              <a:t>2020/10/16</a:t>
             </a:fld>
             <a:endParaRPr kumimoji="1" lang="zh-CN" altLang="en-US"/>
           </a:p>
@@ -1974,7 +1974,7 @@
           <a:p>
             <a:fld id="{2579BE28-8116-0E46-93C2-74159096E69E}" type="datetimeFigureOut">
               <a:rPr kumimoji="1" lang="zh-CN" altLang="en-US" smtClean="0"/>
-              <a:t>2020/10/14</a:t>
+              <a:t>2020/10/16</a:t>
             </a:fld>
             <a:endParaRPr kumimoji="1" lang="zh-CN" altLang="en-US"/>
           </a:p>
@@ -2087,7 +2087,7 @@
           <a:p>
             <a:fld id="{2579BE28-8116-0E46-93C2-74159096E69E}" type="datetimeFigureOut">
               <a:rPr kumimoji="1" lang="zh-CN" altLang="en-US" smtClean="0"/>
-              <a:t>2020/10/14</a:t>
+              <a:t>2020/10/16</a:t>
             </a:fld>
             <a:endParaRPr kumimoji="1" lang="zh-CN" altLang="en-US"/>
           </a:p>
@@ -2398,7 +2398,7 @@
           <a:p>
             <a:fld id="{2579BE28-8116-0E46-93C2-74159096E69E}" type="datetimeFigureOut">
               <a:rPr kumimoji="1" lang="zh-CN" altLang="en-US" smtClean="0"/>
-              <a:t>2020/10/14</a:t>
+              <a:t>2020/10/16</a:t>
             </a:fld>
             <a:endParaRPr kumimoji="1" lang="zh-CN" altLang="en-US"/>
           </a:p>
@@ -2686,7 +2686,7 @@
           <a:p>
             <a:fld id="{2579BE28-8116-0E46-93C2-74159096E69E}" type="datetimeFigureOut">
               <a:rPr kumimoji="1" lang="zh-CN" altLang="en-US" smtClean="0"/>
-              <a:t>2020/10/14</a:t>
+              <a:t>2020/10/16</a:t>
             </a:fld>
             <a:endParaRPr kumimoji="1" lang="zh-CN" altLang="en-US"/>
           </a:p>
@@ -2927,7 +2927,7 @@
           <a:p>
             <a:fld id="{2579BE28-8116-0E46-93C2-74159096E69E}" type="datetimeFigureOut">
               <a:rPr kumimoji="1" lang="zh-CN" altLang="en-US" smtClean="0"/>
-              <a:t>2020/10/14</a:t>
+              <a:t>2020/10/16</a:t>
             </a:fld>
             <a:endParaRPr kumimoji="1" lang="zh-CN" altLang="en-US"/>
           </a:p>
@@ -5245,13 +5245,13 @@
           <p:nvPr>
             <p:extLst>
               <p:ext uri="{D42A27DB-BD31-4B8C-83A1-F6EECF244321}">
-                <p14:modId xmlns:p14="http://schemas.microsoft.com/office/powerpoint/2010/main" val="2183376732"/>
+                <p14:modId xmlns:p14="http://schemas.microsoft.com/office/powerpoint/2010/main" val="3184365329"/>
               </p:ext>
             </p:extLst>
           </p:nvPr>
         </p:nvGraphicFramePr>
         <p:xfrm>
-          <a:off x="2120636" y="2955023"/>
+          <a:off x="2251265" y="1849035"/>
           <a:ext cx="7231209" cy="370840"/>
         </p:xfrm>
         <a:graphic>
@@ -5669,7 +5669,7 @@
         </p:nvCxnSpPr>
         <p:spPr>
           <a:xfrm flipH="1">
-            <a:off x="2120636" y="2254443"/>
+            <a:off x="2251265" y="1148455"/>
             <a:ext cx="2784403" cy="700580"/>
           </a:xfrm>
           <a:prstGeom prst="line">
@@ -5712,7 +5712,7 @@
         </p:nvCxnSpPr>
         <p:spPr>
           <a:xfrm>
-            <a:off x="6038892" y="2274225"/>
+            <a:off x="6169521" y="1168237"/>
             <a:ext cx="3312953" cy="679290"/>
           </a:xfrm>
           <a:prstGeom prst="line">
@@ -5754,13 +5754,13 @@
           <p:nvPr>
             <p:extLst>
               <p:ext uri="{D42A27DB-BD31-4B8C-83A1-F6EECF244321}">
-                <p14:modId xmlns:p14="http://schemas.microsoft.com/office/powerpoint/2010/main" val="1727863587"/>
+                <p14:modId xmlns:p14="http://schemas.microsoft.com/office/powerpoint/2010/main" val="1221729997"/>
               </p:ext>
             </p:extLst>
           </p:nvPr>
         </p:nvGraphicFramePr>
         <p:xfrm>
-          <a:off x="2120636" y="4164148"/>
+          <a:off x="2251265" y="3058160"/>
           <a:ext cx="2165872" cy="370840"/>
         </p:xfrm>
         <a:graphic>
@@ -5900,7 +5900,7 @@
         </p:nvCxnSpPr>
         <p:spPr>
           <a:xfrm flipH="1">
-            <a:off x="4286508" y="3324355"/>
+            <a:off x="4417137" y="2218367"/>
             <a:ext cx="913146" cy="839793"/>
           </a:xfrm>
           <a:prstGeom prst="line">
@@ -5938,7 +5938,7 @@
         </p:nvCxnSpPr>
         <p:spPr>
           <a:xfrm flipH="1">
-            <a:off x="2120636" y="3324355"/>
+            <a:off x="2251265" y="2218367"/>
             <a:ext cx="1517847" cy="839793"/>
           </a:xfrm>
           <a:prstGeom prst="line">
@@ -5975,13 +5975,13 @@
           <p:nvPr>
             <p:extLst>
               <p:ext uri="{D42A27DB-BD31-4B8C-83A1-F6EECF244321}">
-                <p14:modId xmlns:p14="http://schemas.microsoft.com/office/powerpoint/2010/main" val="1443604861"/>
+                <p14:modId xmlns:p14="http://schemas.microsoft.com/office/powerpoint/2010/main" val="2012043551"/>
               </p:ext>
             </p:extLst>
           </p:nvPr>
         </p:nvGraphicFramePr>
         <p:xfrm>
-          <a:off x="4743081" y="4164148"/>
+          <a:off x="4873710" y="3058160"/>
           <a:ext cx="1475316" cy="369332"/>
         </p:xfrm>
         <a:graphic>
@@ -6093,7 +6093,7 @@
         </p:nvCxnSpPr>
         <p:spPr>
           <a:xfrm flipH="1">
-            <a:off x="6218397" y="3322847"/>
+            <a:off x="6349026" y="2216859"/>
             <a:ext cx="342562" cy="841301"/>
           </a:xfrm>
           <a:prstGeom prst="line">
@@ -6131,7 +6131,7 @@
         </p:nvCxnSpPr>
         <p:spPr>
           <a:xfrm flipH="1">
-            <a:off x="4743081" y="3322847"/>
+            <a:off x="4873710" y="2216859"/>
             <a:ext cx="456573" cy="841301"/>
           </a:xfrm>
           <a:prstGeom prst="line">
@@ -6168,13 +6168,13 @@
           <p:nvPr>
             <p:extLst>
               <p:ext uri="{D42A27DB-BD31-4B8C-83A1-F6EECF244321}">
-                <p14:modId xmlns:p14="http://schemas.microsoft.com/office/powerpoint/2010/main" val="2263316134"/>
+                <p14:modId xmlns:p14="http://schemas.microsoft.com/office/powerpoint/2010/main" val="4130565254"/>
               </p:ext>
             </p:extLst>
           </p:nvPr>
         </p:nvGraphicFramePr>
         <p:xfrm>
-          <a:off x="6560959" y="4160573"/>
+          <a:off x="6691588" y="3054585"/>
           <a:ext cx="1475316" cy="369332"/>
         </p:xfrm>
         <a:graphic>
@@ -6286,7 +6286,7 @@
         </p:nvCxnSpPr>
         <p:spPr>
           <a:xfrm>
-            <a:off x="6560959" y="3321339"/>
+            <a:off x="6691588" y="2215351"/>
             <a:ext cx="0" cy="839234"/>
           </a:xfrm>
           <a:prstGeom prst="line">
@@ -6324,7 +6324,7 @@
         </p:nvCxnSpPr>
         <p:spPr>
           <a:xfrm>
-            <a:off x="7954005" y="3321339"/>
+            <a:off x="8084634" y="2215351"/>
             <a:ext cx="82270" cy="839234"/>
           </a:xfrm>
           <a:prstGeom prst="line">
@@ -6361,13 +6361,13 @@
           <p:nvPr>
             <p:extLst>
               <p:ext uri="{D42A27DB-BD31-4B8C-83A1-F6EECF244321}">
-                <p14:modId xmlns:p14="http://schemas.microsoft.com/office/powerpoint/2010/main" val="460473454"/>
+                <p14:modId xmlns:p14="http://schemas.microsoft.com/office/powerpoint/2010/main" val="2112414043"/>
               </p:ext>
             </p:extLst>
           </p:nvPr>
         </p:nvGraphicFramePr>
         <p:xfrm>
-          <a:off x="8415033" y="4159065"/>
+          <a:off x="8545662" y="3053077"/>
           <a:ext cx="1873624" cy="370840"/>
         </p:xfrm>
         <a:graphic>
@@ -6549,7 +6549,7 @@
         </p:nvSpPr>
         <p:spPr>
           <a:xfrm>
-            <a:off x="10288656" y="4160573"/>
+            <a:off x="10419285" y="3054585"/>
             <a:ext cx="570990" cy="369332"/>
           </a:xfrm>
           <a:prstGeom prst="rect">
@@ -6594,13 +6594,13 @@
           <p:nvPr>
             <p:extLst>
               <p:ext uri="{D42A27DB-BD31-4B8C-83A1-F6EECF244321}">
-                <p14:modId xmlns:p14="http://schemas.microsoft.com/office/powerpoint/2010/main" val="4187414688"/>
+                <p14:modId xmlns:p14="http://schemas.microsoft.com/office/powerpoint/2010/main" val="128587934"/>
               </p:ext>
             </p:extLst>
           </p:nvPr>
         </p:nvGraphicFramePr>
         <p:xfrm>
-          <a:off x="10859646" y="4159065"/>
+          <a:off x="10990275" y="3053077"/>
           <a:ext cx="936812" cy="370840"/>
         </p:xfrm>
         <a:graphic>
@@ -6709,13 +6709,13 @@
           <p:nvPr>
             <p:extLst>
               <p:ext uri="{D42A27DB-BD31-4B8C-83A1-F6EECF244321}">
-                <p14:modId xmlns:p14="http://schemas.microsoft.com/office/powerpoint/2010/main" val="232253589"/>
+                <p14:modId xmlns:p14="http://schemas.microsoft.com/office/powerpoint/2010/main" val="2588657223"/>
               </p:ext>
             </p:extLst>
           </p:nvPr>
         </p:nvGraphicFramePr>
         <p:xfrm>
-          <a:off x="8255910" y="5109325"/>
+          <a:off x="8386539" y="4003337"/>
           <a:ext cx="3144958" cy="370840"/>
         </p:xfrm>
         <a:graphic>
@@ -6904,7 +6904,7 @@
         </p:nvCxnSpPr>
         <p:spPr>
           <a:xfrm flipH="1">
-            <a:off x="4494677" y="4529905"/>
+            <a:off x="4625306" y="3423917"/>
             <a:ext cx="4857168" cy="557979"/>
           </a:xfrm>
           <a:prstGeom prst="line">
@@ -6942,7 +6942,7 @@
         </p:nvCxnSpPr>
         <p:spPr>
           <a:xfrm>
-            <a:off x="10288656" y="4529905"/>
+            <a:off x="10419285" y="3423917"/>
             <a:ext cx="1112212" cy="579420"/>
           </a:xfrm>
           <a:prstGeom prst="line">
@@ -6980,7 +6980,7 @@
         </p:nvCxnSpPr>
         <p:spPr>
           <a:xfrm>
-            <a:off x="7954004" y="3321339"/>
+            <a:off x="8084633" y="2215351"/>
             <a:ext cx="424833" cy="837726"/>
           </a:xfrm>
           <a:prstGeom prst="line">
@@ -7018,7 +7018,7 @@
         </p:nvCxnSpPr>
         <p:spPr>
           <a:xfrm>
-            <a:off x="9292611" y="3319831"/>
+            <a:off x="9423240" y="2213843"/>
             <a:ext cx="2503847" cy="817793"/>
           </a:xfrm>
           <a:prstGeom prst="line">
@@ -7055,13 +7055,13 @@
           <p:nvPr>
             <p:extLst>
               <p:ext uri="{D42A27DB-BD31-4B8C-83A1-F6EECF244321}">
-                <p14:modId xmlns:p14="http://schemas.microsoft.com/office/powerpoint/2010/main" val="3112475602"/>
+                <p14:modId xmlns:p14="http://schemas.microsoft.com/office/powerpoint/2010/main" val="1829248438"/>
               </p:ext>
             </p:extLst>
           </p:nvPr>
         </p:nvGraphicFramePr>
         <p:xfrm>
-          <a:off x="4494678" y="5109325"/>
+          <a:off x="4625307" y="4003337"/>
           <a:ext cx="3144958" cy="370840"/>
         </p:xfrm>
         <a:graphic>
@@ -7247,7 +7247,7 @@
         </p:nvSpPr>
         <p:spPr>
           <a:xfrm>
-            <a:off x="7709645" y="5110833"/>
+            <a:off x="7840274" y="4004845"/>
             <a:ext cx="570990" cy="369332"/>
           </a:xfrm>
           <a:prstGeom prst="rect">
@@ -7292,13 +7292,13 @@
           <p:nvPr>
             <p:extLst>
               <p:ext uri="{D42A27DB-BD31-4B8C-83A1-F6EECF244321}">
-                <p14:modId xmlns:p14="http://schemas.microsoft.com/office/powerpoint/2010/main" val="2796548129"/>
+                <p14:modId xmlns:p14="http://schemas.microsoft.com/office/powerpoint/2010/main" val="397215213"/>
               </p:ext>
             </p:extLst>
           </p:nvPr>
         </p:nvGraphicFramePr>
         <p:xfrm>
-          <a:off x="150301" y="1883452"/>
+          <a:off x="280930" y="777464"/>
           <a:ext cx="5889600" cy="370840"/>
         </p:xfrm>
         <a:graphic>
@@ -7643,13 +7643,13 @@
           <p:nvPr>
             <p:extLst>
               <p:ext uri="{D42A27DB-BD31-4B8C-83A1-F6EECF244321}">
-                <p14:modId xmlns:p14="http://schemas.microsoft.com/office/powerpoint/2010/main" val="2042618889"/>
+                <p14:modId xmlns:p14="http://schemas.microsoft.com/office/powerpoint/2010/main" val="3067863762"/>
               </p:ext>
             </p:extLst>
           </p:nvPr>
         </p:nvGraphicFramePr>
         <p:xfrm>
-          <a:off x="6609882" y="1882698"/>
+          <a:off x="6740511" y="776710"/>
           <a:ext cx="4425948" cy="370840"/>
         </p:xfrm>
         <a:graphic>
@@ -7989,7 +7989,7 @@
         </p:nvSpPr>
         <p:spPr>
           <a:xfrm>
-            <a:off x="6038892" y="1883452"/>
+            <a:off x="6169521" y="777464"/>
             <a:ext cx="570990" cy="369332"/>
           </a:xfrm>
           <a:prstGeom prst="rect">
@@ -8033,7 +8033,7 @@
         </p:nvSpPr>
         <p:spPr>
           <a:xfrm>
-            <a:off x="5612813" y="1104329"/>
+            <a:off x="5743442" y="-1659"/>
             <a:ext cx="660758" cy="461665"/>
           </a:xfrm>
           <a:prstGeom prst="rect">
@@ -8100,7 +8100,7 @@
           <p:nvPr>
             <p:extLst>
               <p:ext uri="{D42A27DB-BD31-4B8C-83A1-F6EECF244321}">
-                <p14:modId xmlns:p14="http://schemas.microsoft.com/office/powerpoint/2010/main" val="2024308141"/>
+                <p14:modId xmlns:p14="http://schemas.microsoft.com/office/powerpoint/2010/main" val="271085387"/>
               </p:ext>
             </p:extLst>
           </p:nvPr>
@@ -8311,7 +8311,7 @@
                           <a:ea typeface="+mn-ea"/>
                           <a:cs typeface="+mn-cs"/>
                         </a:rPr>
-                        <a:t>DocBases</a:t>
+                        <a:t>NumDocs</a:t>
                       </a:r>
                       <a:endParaRPr lang="zh-CN" altLang="en-US" sz="1200" b="0" i="0" dirty="0">
                         <a:solidFill>
@@ -8560,14 +8560,14 @@
           <p:nvPr>
             <p:extLst>
               <p:ext uri="{D42A27DB-BD31-4B8C-83A1-F6EECF244321}">
-                <p14:modId xmlns:p14="http://schemas.microsoft.com/office/powerpoint/2010/main" val="2537821345"/>
+                <p14:modId xmlns:p14="http://schemas.microsoft.com/office/powerpoint/2010/main" val="3099166620"/>
               </p:ext>
             </p:extLst>
           </p:nvPr>
         </p:nvGraphicFramePr>
         <p:xfrm>
-          <a:off x="2098990" y="3245088"/>
-          <a:ext cx="2365850" cy="370840"/>
+          <a:off x="1864614" y="3245088"/>
+          <a:ext cx="2600226" cy="370840"/>
         </p:xfrm>
         <a:graphic>
           <a:graphicData uri="http://schemas.openxmlformats.org/drawingml/2006/table">
@@ -8576,14 +8576,14 @@
                 <a:tableStyleId>{5C22544A-7EE6-4342-B048-85BDC9FD1C3A}</a:tableStyleId>
               </a:tblPr>
               <a:tblGrid>
-                <a:gridCol w="1182925">
+                <a:gridCol w="1300113">
                   <a:extLst>
                     <a:ext uri="{9D8B030D-6E8A-4147-A177-3AD203B41FA5}">
                       <a16:colId xmlns:a16="http://schemas.microsoft.com/office/drawing/2014/main" val="2192670918"/>
                     </a:ext>
                   </a:extLst>
                 </a:gridCol>
-                <a:gridCol w="1182925">
+                <a:gridCol w="1300113">
                   <a:extLst>
                     <a:ext uri="{9D8B030D-6E8A-4147-A177-3AD203B41FA5}">
                       <a16:colId xmlns:a16="http://schemas.microsoft.com/office/drawing/2014/main" val="3531190929"/>
@@ -8608,7 +8608,7 @@
                           <a:ea typeface="+mn-ea"/>
                           <a:cs typeface="+mn-cs"/>
                         </a:rPr>
-                        <a:t>DocBaseBlock</a:t>
+                        <a:t>NumDocsBlock</a:t>
                       </a:r>
                       <a:endParaRPr lang="zh-CN" altLang="en-US" sz="1200" b="0" i="0" dirty="0">
                         <a:solidFill>
@@ -8694,7 +8694,7 @@
                           <a:ea typeface="+mn-ea"/>
                           <a:cs typeface="+mn-cs"/>
                         </a:rPr>
-                        <a:t>DocBaseBlock</a:t>
+                        <a:t>NumDocsBlock</a:t>
                       </a:r>
                       <a:endParaRPr lang="zh-CN" altLang="en-US" sz="1200" b="0" i="0" dirty="0">
                         <a:solidFill>
@@ -8773,14 +8773,14 @@
           <p:nvPr>
             <p:extLst>
               <p:ext uri="{D42A27DB-BD31-4B8C-83A1-F6EECF244321}">
-                <p14:modId xmlns:p14="http://schemas.microsoft.com/office/powerpoint/2010/main" val="1345825938"/>
+                <p14:modId xmlns:p14="http://schemas.microsoft.com/office/powerpoint/2010/main" val="2497774235"/>
               </p:ext>
             </p:extLst>
           </p:nvPr>
         </p:nvGraphicFramePr>
         <p:xfrm>
           <a:off x="5039833" y="3243580"/>
-          <a:ext cx="1222745" cy="370840"/>
+          <a:ext cx="1350709" cy="370840"/>
         </p:xfrm>
         <a:graphic>
           <a:graphicData uri="http://schemas.openxmlformats.org/drawingml/2006/table">
@@ -8789,7 +8789,7 @@
                 <a:tableStyleId>{5C22544A-7EE6-4342-B048-85BDC9FD1C3A}</a:tableStyleId>
               </a:tblPr>
               <a:tblGrid>
-                <a:gridCol w="1222745">
+                <a:gridCol w="1350709">
                   <a:extLst>
                     <a:ext uri="{9D8B030D-6E8A-4147-A177-3AD203B41FA5}">
                       <a16:colId xmlns:a16="http://schemas.microsoft.com/office/drawing/2014/main" val="2192670918"/>
@@ -8830,7 +8830,7 @@
                           <a:ea typeface="+mn-ea"/>
                           <a:cs typeface="+mn-cs"/>
                         </a:rPr>
-                        <a:t>DocBaseBlock</a:t>
+                        <a:t>NumDocsBlock</a:t>
                       </a:r>
                       <a:endParaRPr lang="zh-CN" altLang="en-US" sz="1200" b="0" i="0" dirty="0">
                         <a:solidFill>
@@ -9312,8 +9312,8 @@
         </p:nvCxnSpPr>
         <p:spPr>
           <a:xfrm flipH="1">
-            <a:off x="2098989" y="2513300"/>
-            <a:ext cx="3037924" cy="731788"/>
+            <a:off x="1858567" y="2513300"/>
+            <a:ext cx="3278346" cy="724580"/>
           </a:xfrm>
           <a:prstGeom prst="line">
             <a:avLst/>
@@ -9388,8 +9388,8 @@
         </p:nvCxnSpPr>
         <p:spPr>
           <a:xfrm flipH="1">
-            <a:off x="6262577" y="2519000"/>
-            <a:ext cx="413837" cy="724580"/>
+            <a:off x="6390542" y="2519000"/>
+            <a:ext cx="285873" cy="731788"/>
           </a:xfrm>
           <a:prstGeom prst="line">
             <a:avLst/>
@@ -9493,14 +9493,14 @@
           <p:nvPr>
             <p:extLst>
               <p:ext uri="{D42A27DB-BD31-4B8C-83A1-F6EECF244321}">
-                <p14:modId xmlns:p14="http://schemas.microsoft.com/office/powerpoint/2010/main" val="1184291057"/>
+                <p14:modId xmlns:p14="http://schemas.microsoft.com/office/powerpoint/2010/main" val="258279077"/>
               </p:ext>
             </p:extLst>
           </p:nvPr>
         </p:nvGraphicFramePr>
         <p:xfrm>
           <a:off x="4954772" y="1393515"/>
-          <a:ext cx="1222745" cy="370840"/>
+          <a:ext cx="1262106" cy="370840"/>
         </p:xfrm>
         <a:graphic>
           <a:graphicData uri="http://schemas.openxmlformats.org/drawingml/2006/table">
@@ -9509,7 +9509,7 @@
                 <a:tableStyleId>{5C22544A-7EE6-4342-B048-85BDC9FD1C3A}</a:tableStyleId>
               </a:tblPr>
               <a:tblGrid>
-                <a:gridCol w="1222745">
+                <a:gridCol w="1262106">
                   <a:extLst>
                     <a:ext uri="{9D8B030D-6E8A-4147-A177-3AD203B41FA5}">
                       <a16:colId xmlns:a16="http://schemas.microsoft.com/office/drawing/2014/main" val="2192670918"/>
@@ -9550,7 +9550,7 @@
                           <a:ea typeface="+mn-ea"/>
                           <a:cs typeface="+mn-cs"/>
                         </a:rPr>
-                        <a:t>DocBaseBlock</a:t>
+                        <a:t>NumDocsBlock</a:t>
                       </a:r>
                       <a:endParaRPr lang="zh-CN" altLang="en-US" sz="1200" b="0" i="0" dirty="0">
                         <a:solidFill>
@@ -9629,14 +9629,14 @@
           <p:nvPr>
             <p:extLst>
               <p:ext uri="{D42A27DB-BD31-4B8C-83A1-F6EECF244321}">
-                <p14:modId xmlns:p14="http://schemas.microsoft.com/office/powerpoint/2010/main" val="2847807122"/>
+                <p14:modId xmlns:p14="http://schemas.microsoft.com/office/powerpoint/2010/main" val="3232490520"/>
               </p:ext>
             </p:extLst>
           </p:nvPr>
         </p:nvGraphicFramePr>
         <p:xfrm>
-          <a:off x="3926958" y="2353990"/>
-          <a:ext cx="1718930" cy="370840"/>
+          <a:off x="3817088" y="2353990"/>
+          <a:ext cx="1828800" cy="370840"/>
         </p:xfrm>
         <a:graphic>
           <a:graphicData uri="http://schemas.openxmlformats.org/drawingml/2006/table">
@@ -9645,14 +9645,14 @@
                 <a:tableStyleId>{5C22544A-7EE6-4342-B048-85BDC9FD1C3A}</a:tableStyleId>
               </a:tblPr>
               <a:tblGrid>
-                <a:gridCol w="859465">
+                <a:gridCol w="914400">
                   <a:extLst>
                     <a:ext uri="{9D8B030D-6E8A-4147-A177-3AD203B41FA5}">
                       <a16:colId xmlns:a16="http://schemas.microsoft.com/office/drawing/2014/main" val="2192670918"/>
                     </a:ext>
                   </a:extLst>
                 </a:gridCol>
-                <a:gridCol w="859465">
+                <a:gridCol w="914400">
                   <a:extLst>
                     <a:ext uri="{9D8B030D-6E8A-4147-A177-3AD203B41FA5}">
                       <a16:colId xmlns:a16="http://schemas.microsoft.com/office/drawing/2014/main" val="2033918854"/>
@@ -9693,7 +9693,7 @@
                           <a:ea typeface="+mn-ea"/>
                           <a:cs typeface="+mn-cs"/>
                         </a:rPr>
-                        <a:t>DocBase</a:t>
+                        <a:t>NumDoc</a:t>
                       </a:r>
                       <a:endParaRPr lang="zh-CN" altLang="en-US" sz="1200" b="0" i="0" dirty="0">
                         <a:solidFill>
@@ -9776,7 +9776,7 @@
                           <a:ea typeface="+mn-ea"/>
                           <a:cs typeface="+mn-cs"/>
                         </a:rPr>
-                        <a:t>DocBase</a:t>
+                        <a:t>NumDoc</a:t>
                       </a:r>
                       <a:endParaRPr lang="zh-CN" altLang="en-US" sz="1200" b="0" i="0" dirty="0">
                         <a:solidFill>
@@ -9852,14 +9852,14 @@
           <p:nvPr>
             <p:extLst>
               <p:ext uri="{D42A27DB-BD31-4B8C-83A1-F6EECF244321}">
-                <p14:modId xmlns:p14="http://schemas.microsoft.com/office/powerpoint/2010/main" val="1431564925"/>
+                <p14:modId xmlns:p14="http://schemas.microsoft.com/office/powerpoint/2010/main" val="2897857974"/>
               </p:ext>
             </p:extLst>
           </p:nvPr>
         </p:nvGraphicFramePr>
         <p:xfrm>
           <a:off x="6216878" y="2353990"/>
-          <a:ext cx="859465" cy="370840"/>
+          <a:ext cx="916548" cy="370840"/>
         </p:xfrm>
         <a:graphic>
           <a:graphicData uri="http://schemas.openxmlformats.org/drawingml/2006/table">
@@ -9868,7 +9868,7 @@
                 <a:tableStyleId>{5C22544A-7EE6-4342-B048-85BDC9FD1C3A}</a:tableStyleId>
               </a:tblPr>
               <a:tblGrid>
-                <a:gridCol w="859465">
+                <a:gridCol w="916548">
                   <a:extLst>
                     <a:ext uri="{9D8B030D-6E8A-4147-A177-3AD203B41FA5}">
                       <a16:colId xmlns:a16="http://schemas.microsoft.com/office/drawing/2014/main" val="2192670918"/>
@@ -9909,7 +9909,7 @@
                           <a:ea typeface="+mn-ea"/>
                           <a:cs typeface="+mn-cs"/>
                         </a:rPr>
-                        <a:t>DocBase</a:t>
+                        <a:t>NumDoc</a:t>
                       </a:r>
                       <a:endParaRPr lang="zh-CN" altLang="en-US" sz="1200" b="0" i="0" dirty="0">
                         <a:solidFill>
@@ -10030,8 +10030,8 @@
         </p:nvCxnSpPr>
         <p:spPr>
           <a:xfrm flipH="1">
-            <a:off x="3926958" y="1764355"/>
-            <a:ext cx="1027814" cy="589635"/>
+            <a:off x="3817088" y="1764355"/>
+            <a:ext cx="1137684" cy="588881"/>
           </a:xfrm>
           <a:prstGeom prst="line">
             <a:avLst/>
@@ -10069,7 +10069,7 @@
         <p:spPr>
           <a:xfrm>
             <a:off x="6159795" y="1763601"/>
-            <a:ext cx="916548" cy="590389"/>
+            <a:ext cx="973631" cy="589635"/>
           </a:xfrm>
           <a:prstGeom prst="line">
             <a:avLst/>
@@ -10773,7 +10773,13 @@
           <p:cNvGraphicFramePr>
             <a:graphicFrameLocks noGrp="1"/>
           </p:cNvGraphicFramePr>
-          <p:nvPr/>
+          <p:nvPr>
+            <p:extLst>
+              <p:ext uri="{D42A27DB-BD31-4B8C-83A1-F6EECF244321}">
+                <p14:modId xmlns:p14="http://schemas.microsoft.com/office/powerpoint/2010/main" val="3606242725"/>
+              </p:ext>
+            </p:extLst>
+          </p:nvPr>
         </p:nvGraphicFramePr>
         <p:xfrm>
           <a:off x="2125536" y="2142460"/>
@@ -10981,7 +10987,7 @@
                           <a:ea typeface="+mn-ea"/>
                           <a:cs typeface="+mn-cs"/>
                         </a:rPr>
-                        <a:t>DocBases</a:t>
+                        <a:t>NumDocs</a:t>
                       </a:r>
                       <a:endParaRPr lang="zh-CN" altLang="en-US" sz="1200" b="0" i="0" dirty="0">
                         <a:solidFill>
@@ -11212,387 +11218,6 @@
               <a:t>.fdx</a:t>
             </a:r>
             <a:endParaRPr kumimoji="1" lang="zh-CN" altLang="en-US" sz="2400" b="1" dirty="0"/>
-          </a:p>
-        </p:txBody>
-      </p:sp>
-      <p:graphicFrame>
-        <p:nvGraphicFramePr>
-          <p:cNvPr id="8" name="表格 7">
-            <a:extLst>
-              <a:ext uri="{FF2B5EF4-FFF2-40B4-BE49-F238E27FC236}">
-                <a16:creationId xmlns:a16="http://schemas.microsoft.com/office/drawing/2014/main" id="{C88C4A98-C2B7-774C-BC8D-D6AE657FC5C4}"/>
-              </a:ext>
-            </a:extLst>
-          </p:cNvPr>
-          <p:cNvGraphicFramePr>
-            <a:graphicFrameLocks noGrp="1"/>
-          </p:cNvGraphicFramePr>
-          <p:nvPr/>
-        </p:nvGraphicFramePr>
-        <p:xfrm>
-          <a:off x="2098990" y="3245088"/>
-          <a:ext cx="2365850" cy="370840"/>
-        </p:xfrm>
-        <a:graphic>
-          <a:graphicData uri="http://schemas.openxmlformats.org/drawingml/2006/table">
-            <a:tbl>
-              <a:tblPr firstRow="1" bandRow="1">
-                <a:tableStyleId>{5C22544A-7EE6-4342-B048-85BDC9FD1C3A}</a:tableStyleId>
-              </a:tblPr>
-              <a:tblGrid>
-                <a:gridCol w="1182925">
-                  <a:extLst>
-                    <a:ext uri="{9D8B030D-6E8A-4147-A177-3AD203B41FA5}">
-                      <a16:colId xmlns:a16="http://schemas.microsoft.com/office/drawing/2014/main" val="2192670918"/>
-                    </a:ext>
-                  </a:extLst>
-                </a:gridCol>
-                <a:gridCol w="1182925">
-                  <a:extLst>
-                    <a:ext uri="{9D8B030D-6E8A-4147-A177-3AD203B41FA5}">
-                      <a16:colId xmlns:a16="http://schemas.microsoft.com/office/drawing/2014/main" val="3531190929"/>
-                    </a:ext>
-                  </a:extLst>
-                </a:gridCol>
-              </a:tblGrid>
-              <a:tr h="370840">
-                <a:tc>
-                  <a:txBody>
-                    <a:bodyPr/>
-                    <a:lstStyle/>
-                    <a:p>
-                      <a:pPr algn="ctr"/>
-                      <a:r>
-                        <a:rPr lang="en-US" altLang="zh-CN" sz="1200" b="1" i="0" kern="1200" dirty="0">
-                          <a:solidFill>
-                            <a:schemeClr val="tx1"/>
-                          </a:solidFill>
-                          <a:effectLst/>
-                          <a:latin typeface="+mn-lt"/>
-                          <a:ea typeface="+mn-ea"/>
-                          <a:cs typeface="+mn-cs"/>
-                        </a:rPr>
-                        <a:t>DocBaseBlock</a:t>
-                      </a:r>
-                      <a:endParaRPr lang="zh-CN" altLang="en-US" sz="1200" b="0" i="0" dirty="0">
-                        <a:solidFill>
-                          <a:schemeClr val="tx1"/>
-                        </a:solidFill>
-                      </a:endParaRPr>
-                    </a:p>
-                  </a:txBody>
-                  <a:tcPr anchor="ctr">
-                    <a:lnL w="12700" cap="flat" cmpd="sng" algn="ctr">
-                      <a:solidFill>
-                        <a:schemeClr val="tx1"/>
-                      </a:solidFill>
-                      <a:prstDash val="solid"/>
-                      <a:round/>
-                      <a:headEnd type="none" w="med" len="med"/>
-                      <a:tailEnd type="none" w="med" len="med"/>
-                    </a:lnL>
-                    <a:lnR w="12700" cap="flat" cmpd="sng" algn="ctr">
-                      <a:solidFill>
-                        <a:schemeClr val="tx1"/>
-                      </a:solidFill>
-                      <a:prstDash val="solid"/>
-                      <a:round/>
-                      <a:headEnd type="none" w="med" len="med"/>
-                      <a:tailEnd type="none" w="med" len="med"/>
-                    </a:lnR>
-                    <a:lnT w="12700" cap="flat" cmpd="sng" algn="ctr">
-                      <a:solidFill>
-                        <a:schemeClr val="tx1"/>
-                      </a:solidFill>
-                      <a:prstDash val="solid"/>
-                      <a:round/>
-                      <a:headEnd type="none" w="med" len="med"/>
-                      <a:tailEnd type="none" w="med" len="med"/>
-                    </a:lnT>
-                    <a:lnB w="12700" cap="flat" cmpd="sng" algn="ctr">
-                      <a:solidFill>
-                        <a:schemeClr val="tx1"/>
-                      </a:solidFill>
-                      <a:prstDash val="solid"/>
-                      <a:round/>
-                      <a:headEnd type="none" w="med" len="med"/>
-                      <a:tailEnd type="none" w="med" len="med"/>
-                    </a:lnB>
-                    <a:solidFill>
-                      <a:schemeClr val="accent5">
-                        <a:lumMod val="60000"/>
-                        <a:lumOff val="40000"/>
-                      </a:schemeClr>
-                    </a:solidFill>
-                  </a:tcPr>
-                </a:tc>
-                <a:tc>
-                  <a:txBody>
-                    <a:bodyPr/>
-                    <a:lstStyle/>
-                    <a:p>
-                      <a:pPr marL="0" marR="0" lvl="0" indent="0" algn="ctr" defTabSz="914400" rtl="0" eaLnBrk="1" fontAlgn="auto" latinLnBrk="0" hangingPunct="1">
-                        <a:lnSpc>
-                          <a:spcPct val="100000"/>
-                        </a:lnSpc>
-                        <a:spcBef>
-                          <a:spcPts val="0"/>
-                        </a:spcBef>
-                        <a:spcAft>
-                          <a:spcPts val="0"/>
-                        </a:spcAft>
-                        <a:buClrTx/>
-                        <a:buSzTx/>
-                        <a:buFontTx/>
-                        <a:buNone/>
-                        <a:tabLst/>
-                        <a:defRPr/>
-                      </a:pPr>
-                      <a:r>
-                        <a:rPr lang="en-US" altLang="zh-CN" sz="1200" b="1" i="0" kern="1200" dirty="0">
-                          <a:solidFill>
-                            <a:schemeClr val="tx1"/>
-                          </a:solidFill>
-                          <a:effectLst/>
-                          <a:latin typeface="+mn-lt"/>
-                          <a:ea typeface="+mn-ea"/>
-                          <a:cs typeface="+mn-cs"/>
-                        </a:rPr>
-                        <a:t>DocBaseBlock</a:t>
-                      </a:r>
-                      <a:endParaRPr lang="zh-CN" altLang="en-US" sz="1200" b="0" i="0" dirty="0">
-                        <a:solidFill>
-                          <a:schemeClr val="tx1"/>
-                        </a:solidFill>
-                      </a:endParaRPr>
-                    </a:p>
-                  </a:txBody>
-                  <a:tcPr anchor="ctr">
-                    <a:lnL w="12700" cap="flat" cmpd="sng" algn="ctr">
-                      <a:solidFill>
-                        <a:schemeClr val="tx1"/>
-                      </a:solidFill>
-                      <a:prstDash val="solid"/>
-                      <a:round/>
-                      <a:headEnd type="none" w="med" len="med"/>
-                      <a:tailEnd type="none" w="med" len="med"/>
-                    </a:lnL>
-                    <a:lnR w="12700" cap="flat" cmpd="sng" algn="ctr">
-                      <a:solidFill>
-                        <a:schemeClr val="tx1"/>
-                      </a:solidFill>
-                      <a:prstDash val="solid"/>
-                      <a:round/>
-                      <a:headEnd type="none" w="med" len="med"/>
-                      <a:tailEnd type="none" w="med" len="med"/>
-                    </a:lnR>
-                    <a:lnT w="12700" cap="flat" cmpd="sng" algn="ctr">
-                      <a:solidFill>
-                        <a:schemeClr val="tx1"/>
-                      </a:solidFill>
-                      <a:prstDash val="solid"/>
-                      <a:round/>
-                      <a:headEnd type="none" w="med" len="med"/>
-                      <a:tailEnd type="none" w="med" len="med"/>
-                    </a:lnT>
-                    <a:lnB w="12700" cap="flat" cmpd="sng" algn="ctr">
-                      <a:solidFill>
-                        <a:schemeClr val="tx1"/>
-                      </a:solidFill>
-                      <a:prstDash val="solid"/>
-                      <a:round/>
-                      <a:headEnd type="none" w="med" len="med"/>
-                      <a:tailEnd type="none" w="med" len="med"/>
-                    </a:lnB>
-                    <a:solidFill>
-                      <a:schemeClr val="accent5">
-                        <a:lumMod val="60000"/>
-                        <a:lumOff val="40000"/>
-                      </a:schemeClr>
-                    </a:solidFill>
-                  </a:tcPr>
-                </a:tc>
-                <a:extLst>
-                  <a:ext uri="{0D108BD9-81ED-4DB2-BD59-A6C34878D82A}">
-                    <a16:rowId xmlns:a16="http://schemas.microsoft.com/office/drawing/2014/main" val="1027363210"/>
-                  </a:ext>
-                </a:extLst>
-              </a:tr>
-            </a:tbl>
-          </a:graphicData>
-        </a:graphic>
-      </p:graphicFrame>
-      <p:graphicFrame>
-        <p:nvGraphicFramePr>
-          <p:cNvPr id="11" name="表格 10">
-            <a:extLst>
-              <a:ext uri="{FF2B5EF4-FFF2-40B4-BE49-F238E27FC236}">
-                <a16:creationId xmlns:a16="http://schemas.microsoft.com/office/drawing/2014/main" id="{AB2964F5-E130-B34B-A8E1-3E002A3D0C89}"/>
-              </a:ext>
-            </a:extLst>
-          </p:cNvPr>
-          <p:cNvGraphicFramePr>
-            <a:graphicFrameLocks noGrp="1"/>
-          </p:cNvGraphicFramePr>
-          <p:nvPr/>
-        </p:nvGraphicFramePr>
-        <p:xfrm>
-          <a:off x="5039833" y="3243580"/>
-          <a:ext cx="1222745" cy="370840"/>
-        </p:xfrm>
-        <a:graphic>
-          <a:graphicData uri="http://schemas.openxmlformats.org/drawingml/2006/table">
-            <a:tbl>
-              <a:tblPr firstRow="1" bandRow="1">
-                <a:tableStyleId>{5C22544A-7EE6-4342-B048-85BDC9FD1C3A}</a:tableStyleId>
-              </a:tblPr>
-              <a:tblGrid>
-                <a:gridCol w="1222745">
-                  <a:extLst>
-                    <a:ext uri="{9D8B030D-6E8A-4147-A177-3AD203B41FA5}">
-                      <a16:colId xmlns:a16="http://schemas.microsoft.com/office/drawing/2014/main" val="2192670918"/>
-                    </a:ext>
-                  </a:extLst>
-                </a:gridCol>
-              </a:tblGrid>
-              <a:tr h="370840">
-                <a:tc>
-                  <a:txBody>
-                    <a:bodyPr/>
-                    <a:lstStyle/>
-                    <a:p>
-                      <a:pPr marL="0" marR="0" lvl="0" indent="0" algn="ctr" defTabSz="914400" rtl="0" eaLnBrk="1" fontAlgn="auto" latinLnBrk="0" hangingPunct="1">
-                        <a:lnSpc>
-                          <a:spcPct val="100000"/>
-                        </a:lnSpc>
-                        <a:spcBef>
-                          <a:spcPts val="0"/>
-                        </a:spcBef>
-                        <a:spcAft>
-                          <a:spcPts val="0"/>
-                        </a:spcAft>
-                        <a:buClrTx/>
-                        <a:buSzTx/>
-                        <a:buFontTx/>
-                        <a:buNone/>
-                        <a:tabLst/>
-                        <a:defRPr/>
-                      </a:pPr>
-                      <a:r>
-                        <a:rPr lang="en-US" altLang="zh-CN" sz="1200" b="1" i="0" kern="1200" dirty="0">
-                          <a:solidFill>
-                            <a:schemeClr val="tx1"/>
-                          </a:solidFill>
-                          <a:effectLst/>
-                          <a:latin typeface="+mn-lt"/>
-                          <a:ea typeface="+mn-ea"/>
-                          <a:cs typeface="+mn-cs"/>
-                        </a:rPr>
-                        <a:t>DocBaseBlock</a:t>
-                      </a:r>
-                      <a:endParaRPr lang="zh-CN" altLang="en-US" sz="1200" b="0" i="0" dirty="0">
-                        <a:solidFill>
-                          <a:schemeClr val="tx1"/>
-                        </a:solidFill>
-                      </a:endParaRPr>
-                    </a:p>
-                  </a:txBody>
-                  <a:tcPr anchor="ctr">
-                    <a:lnL w="12700" cap="flat" cmpd="sng" algn="ctr">
-                      <a:solidFill>
-                        <a:schemeClr val="tx1"/>
-                      </a:solidFill>
-                      <a:prstDash val="solid"/>
-                      <a:round/>
-                      <a:headEnd type="none" w="med" len="med"/>
-                      <a:tailEnd type="none" w="med" len="med"/>
-                    </a:lnL>
-                    <a:lnR w="12700" cap="flat" cmpd="sng" algn="ctr">
-                      <a:solidFill>
-                        <a:schemeClr val="tx1"/>
-                      </a:solidFill>
-                      <a:prstDash val="solid"/>
-                      <a:round/>
-                      <a:headEnd type="none" w="med" len="med"/>
-                      <a:tailEnd type="none" w="med" len="med"/>
-                    </a:lnR>
-                    <a:lnT w="12700" cap="flat" cmpd="sng" algn="ctr">
-                      <a:solidFill>
-                        <a:schemeClr val="tx1"/>
-                      </a:solidFill>
-                      <a:prstDash val="solid"/>
-                      <a:round/>
-                      <a:headEnd type="none" w="med" len="med"/>
-                      <a:tailEnd type="none" w="med" len="med"/>
-                    </a:lnT>
-                    <a:lnB w="12700" cap="flat" cmpd="sng" algn="ctr">
-                      <a:solidFill>
-                        <a:schemeClr val="tx1"/>
-                      </a:solidFill>
-                      <a:prstDash val="solid"/>
-                      <a:round/>
-                      <a:headEnd type="none" w="med" len="med"/>
-                      <a:tailEnd type="none" w="med" len="med"/>
-                    </a:lnB>
-                    <a:solidFill>
-                      <a:schemeClr val="accent5">
-                        <a:lumMod val="60000"/>
-                        <a:lumOff val="40000"/>
-                      </a:schemeClr>
-                    </a:solidFill>
-                  </a:tcPr>
-                </a:tc>
-                <a:extLst>
-                  <a:ext uri="{0D108BD9-81ED-4DB2-BD59-A6C34878D82A}">
-                    <a16:rowId xmlns:a16="http://schemas.microsoft.com/office/drawing/2014/main" val="1027363210"/>
-                  </a:ext>
-                </a:extLst>
-              </a:tr>
-            </a:tbl>
-          </a:graphicData>
-        </a:graphic>
-      </p:graphicFrame>
-      <p:sp>
-        <p:nvSpPr>
-          <p:cNvPr id="12" name="文本框 11">
-            <a:extLst>
-              <a:ext uri="{FF2B5EF4-FFF2-40B4-BE49-F238E27FC236}">
-                <a16:creationId xmlns:a16="http://schemas.microsoft.com/office/drawing/2014/main" id="{17793D37-E9D6-4948-B7DD-CF0DB1C9B648}"/>
-              </a:ext>
-            </a:extLst>
-          </p:cNvPr>
-          <p:cNvSpPr txBox="1"/>
-          <p:nvPr/>
-        </p:nvSpPr>
-        <p:spPr>
-          <a:xfrm>
-            <a:off x="4439196" y="3245088"/>
-            <a:ext cx="570990" cy="369332"/>
-          </a:xfrm>
-          <a:prstGeom prst="rect">
-            <a:avLst/>
-          </a:prstGeom>
-          <a:noFill/>
-        </p:spPr>
-        <p:txBody>
-          <a:bodyPr wrap="none" rtlCol="0">
-            <a:spAutoFit/>
-          </a:bodyPr>
-          <a:lstStyle/>
-          <a:p>
-            <a:r>
-              <a:rPr kumimoji="1" lang="en-US" altLang="zh-CN" dirty="0"/>
-              <a:t>…</a:t>
-            </a:r>
-            <a:r>
-              <a:rPr kumimoji="1" lang="zh-CN" altLang="en-US" dirty="0"/>
-              <a:t> </a:t>
-            </a:r>
-            <a:r>
-              <a:rPr kumimoji="1" lang="en-US" altLang="zh-CN" dirty="0"/>
-              <a:t>…</a:t>
-            </a:r>
-            <a:endParaRPr kumimoji="1" lang="zh-CN" altLang="en-US" dirty="0"/>
           </a:p>
         </p:txBody>
       </p:sp>
@@ -11958,8 +11583,8 @@
         </p:nvCxnSpPr>
         <p:spPr>
           <a:xfrm flipH="1">
-            <a:off x="2098989" y="2513300"/>
-            <a:ext cx="3037924" cy="731788"/>
+            <a:off x="1753033" y="2513300"/>
+            <a:ext cx="3383880" cy="739584"/>
           </a:xfrm>
           <a:prstGeom prst="line">
             <a:avLst/>
@@ -12074,482 +11699,6 @@
           <a:xfrm>
             <a:off x="8164929" y="2513300"/>
             <a:ext cx="3236052" cy="739584"/>
-          </a:xfrm>
-          <a:prstGeom prst="line">
-            <a:avLst/>
-          </a:prstGeom>
-        </p:spPr>
-        <p:style>
-          <a:lnRef idx="1">
-            <a:schemeClr val="accent1"/>
-          </a:lnRef>
-          <a:fillRef idx="0">
-            <a:schemeClr val="accent1"/>
-          </a:fillRef>
-          <a:effectRef idx="0">
-            <a:schemeClr val="accent1"/>
-          </a:effectRef>
-          <a:fontRef idx="minor">
-            <a:schemeClr val="tx1"/>
-          </a:fontRef>
-        </p:style>
-      </p:cxnSp>
-      <p:graphicFrame>
-        <p:nvGraphicFramePr>
-          <p:cNvPr id="28" name="表格 27">
-            <a:extLst>
-              <a:ext uri="{FF2B5EF4-FFF2-40B4-BE49-F238E27FC236}">
-                <a16:creationId xmlns:a16="http://schemas.microsoft.com/office/drawing/2014/main" id="{0EA8E0D9-3F53-D44E-8412-8A1038CFAE12}"/>
-              </a:ext>
-            </a:extLst>
-          </p:cNvPr>
-          <p:cNvGraphicFramePr>
-            <a:graphicFrameLocks noGrp="1"/>
-          </p:cNvGraphicFramePr>
-          <p:nvPr>
-            <p:extLst>
-              <p:ext uri="{D42A27DB-BD31-4B8C-83A1-F6EECF244321}">
-                <p14:modId xmlns:p14="http://schemas.microsoft.com/office/powerpoint/2010/main" val="3649702570"/>
-              </p:ext>
-            </p:extLst>
-          </p:nvPr>
-        </p:nvGraphicFramePr>
-        <p:xfrm>
-          <a:off x="2252622" y="4203302"/>
-          <a:ext cx="1718930" cy="370840"/>
-        </p:xfrm>
-        <a:graphic>
-          <a:graphicData uri="http://schemas.openxmlformats.org/drawingml/2006/table">
-            <a:tbl>
-              <a:tblPr firstRow="1" bandRow="1">
-                <a:tableStyleId>{5C22544A-7EE6-4342-B048-85BDC9FD1C3A}</a:tableStyleId>
-              </a:tblPr>
-              <a:tblGrid>
-                <a:gridCol w="859465">
-                  <a:extLst>
-                    <a:ext uri="{9D8B030D-6E8A-4147-A177-3AD203B41FA5}">
-                      <a16:colId xmlns:a16="http://schemas.microsoft.com/office/drawing/2014/main" val="2192670918"/>
-                    </a:ext>
-                  </a:extLst>
-                </a:gridCol>
-                <a:gridCol w="859465">
-                  <a:extLst>
-                    <a:ext uri="{9D8B030D-6E8A-4147-A177-3AD203B41FA5}">
-                      <a16:colId xmlns:a16="http://schemas.microsoft.com/office/drawing/2014/main" val="2033918854"/>
-                    </a:ext>
-                  </a:extLst>
-                </a:gridCol>
-              </a:tblGrid>
-              <a:tr h="370840">
-                <a:tc>
-                  <a:txBody>
-                    <a:bodyPr/>
-                    <a:lstStyle/>
-                    <a:p>
-                      <a:pPr marL="0" marR="0" lvl="0" indent="0" algn="ctr" defTabSz="914400" rtl="0" eaLnBrk="1" fontAlgn="auto" latinLnBrk="0" hangingPunct="1">
-                        <a:lnSpc>
-                          <a:spcPct val="100000"/>
-                        </a:lnSpc>
-                        <a:spcBef>
-                          <a:spcPts val="0"/>
-                        </a:spcBef>
-                        <a:spcAft>
-                          <a:spcPts val="0"/>
-                        </a:spcAft>
-                        <a:buClrTx/>
-                        <a:buSzTx/>
-                        <a:buFontTx/>
-                        <a:buNone/>
-                        <a:tabLst/>
-                        <a:defRPr/>
-                      </a:pPr>
-                      <a:r>
-                        <a:rPr lang="en-US" altLang="zh-CN" sz="1200" b="1" i="0" kern="1200" dirty="0">
-                          <a:solidFill>
-                            <a:schemeClr val="tx1"/>
-                          </a:solidFill>
-                          <a:effectLst/>
-                          <a:latin typeface="+mn-lt"/>
-                          <a:ea typeface="+mn-ea"/>
-                          <a:cs typeface="+mn-cs"/>
-                        </a:rPr>
-                        <a:t>DocBase</a:t>
-                      </a:r>
-                      <a:endParaRPr lang="zh-CN" altLang="en-US" sz="1200" b="0" i="0" dirty="0">
-                        <a:solidFill>
-                          <a:schemeClr val="tx1"/>
-                        </a:solidFill>
-                      </a:endParaRPr>
-                    </a:p>
-                  </a:txBody>
-                  <a:tcPr anchor="ctr">
-                    <a:lnL w="12700" cap="flat" cmpd="sng" algn="ctr">
-                      <a:solidFill>
-                        <a:schemeClr val="tx1"/>
-                      </a:solidFill>
-                      <a:prstDash val="solid"/>
-                      <a:round/>
-                      <a:headEnd type="none" w="med" len="med"/>
-                      <a:tailEnd type="none" w="med" len="med"/>
-                    </a:lnL>
-                    <a:lnR w="12700" cap="flat" cmpd="sng" algn="ctr">
-                      <a:solidFill>
-                        <a:schemeClr val="tx1"/>
-                      </a:solidFill>
-                      <a:prstDash val="solid"/>
-                      <a:round/>
-                      <a:headEnd type="none" w="med" len="med"/>
-                      <a:tailEnd type="none" w="med" len="med"/>
-                    </a:lnR>
-                    <a:lnT w="12700" cap="flat" cmpd="sng" algn="ctr">
-                      <a:solidFill>
-                        <a:schemeClr val="tx1"/>
-                      </a:solidFill>
-                      <a:prstDash val="solid"/>
-                      <a:round/>
-                      <a:headEnd type="none" w="med" len="med"/>
-                      <a:tailEnd type="none" w="med" len="med"/>
-                    </a:lnT>
-                    <a:lnB w="12700" cap="flat" cmpd="sng" algn="ctr">
-                      <a:solidFill>
-                        <a:schemeClr val="tx1"/>
-                      </a:solidFill>
-                      <a:prstDash val="solid"/>
-                      <a:round/>
-                      <a:headEnd type="none" w="med" len="med"/>
-                      <a:tailEnd type="none" w="med" len="med"/>
-                    </a:lnB>
-                    <a:solidFill>
-                      <a:schemeClr val="bg1"/>
-                    </a:solidFill>
-                  </a:tcPr>
-                </a:tc>
-                <a:tc>
-                  <a:txBody>
-                    <a:bodyPr/>
-                    <a:lstStyle/>
-                    <a:p>
-                      <a:pPr marL="0" marR="0" lvl="0" indent="0" algn="ctr" defTabSz="914400" rtl="0" eaLnBrk="1" fontAlgn="auto" latinLnBrk="0" hangingPunct="1">
-                        <a:lnSpc>
-                          <a:spcPct val="100000"/>
-                        </a:lnSpc>
-                        <a:spcBef>
-                          <a:spcPts val="0"/>
-                        </a:spcBef>
-                        <a:spcAft>
-                          <a:spcPts val="0"/>
-                        </a:spcAft>
-                        <a:buClrTx/>
-                        <a:buSzTx/>
-                        <a:buFontTx/>
-                        <a:buNone/>
-                        <a:tabLst/>
-                        <a:defRPr/>
-                      </a:pPr>
-                      <a:r>
-                        <a:rPr lang="en-US" altLang="zh-CN" sz="1200" b="1" i="0" kern="1200" dirty="0">
-                          <a:solidFill>
-                            <a:schemeClr val="tx1"/>
-                          </a:solidFill>
-                          <a:effectLst/>
-                          <a:latin typeface="+mn-lt"/>
-                          <a:ea typeface="+mn-ea"/>
-                          <a:cs typeface="+mn-cs"/>
-                        </a:rPr>
-                        <a:t>DocBase</a:t>
-                      </a:r>
-                      <a:endParaRPr lang="zh-CN" altLang="en-US" sz="1200" b="0" i="0" dirty="0">
-                        <a:solidFill>
-                          <a:schemeClr val="tx1"/>
-                        </a:solidFill>
-                      </a:endParaRPr>
-                    </a:p>
-                  </a:txBody>
-                  <a:tcPr anchor="ctr">
-                    <a:lnL w="12700" cap="flat" cmpd="sng" algn="ctr">
-                      <a:solidFill>
-                        <a:schemeClr val="tx1"/>
-                      </a:solidFill>
-                      <a:prstDash val="solid"/>
-                      <a:round/>
-                      <a:headEnd type="none" w="med" len="med"/>
-                      <a:tailEnd type="none" w="med" len="med"/>
-                    </a:lnL>
-                    <a:lnR w="12700" cap="flat" cmpd="sng" algn="ctr">
-                      <a:solidFill>
-                        <a:schemeClr val="tx1"/>
-                      </a:solidFill>
-                      <a:prstDash val="solid"/>
-                      <a:round/>
-                      <a:headEnd type="none" w="med" len="med"/>
-                      <a:tailEnd type="none" w="med" len="med"/>
-                    </a:lnR>
-                    <a:lnT w="12700" cap="flat" cmpd="sng" algn="ctr">
-                      <a:solidFill>
-                        <a:schemeClr val="tx1"/>
-                      </a:solidFill>
-                      <a:prstDash val="solid"/>
-                      <a:round/>
-                      <a:headEnd type="none" w="med" len="med"/>
-                      <a:tailEnd type="none" w="med" len="med"/>
-                    </a:lnT>
-                    <a:lnB w="12700" cap="flat" cmpd="sng" algn="ctr">
-                      <a:solidFill>
-                        <a:schemeClr val="tx1"/>
-                      </a:solidFill>
-                      <a:prstDash val="solid"/>
-                      <a:round/>
-                      <a:headEnd type="none" w="med" len="med"/>
-                      <a:tailEnd type="none" w="med" len="med"/>
-                    </a:lnB>
-                    <a:solidFill>
-                      <a:schemeClr val="bg1"/>
-                    </a:solidFill>
-                  </a:tcPr>
-                </a:tc>
-                <a:extLst>
-                  <a:ext uri="{0D108BD9-81ED-4DB2-BD59-A6C34878D82A}">
-                    <a16:rowId xmlns:a16="http://schemas.microsoft.com/office/drawing/2014/main" val="1027363210"/>
-                  </a:ext>
-                </a:extLst>
-              </a:tr>
-            </a:tbl>
-          </a:graphicData>
-        </a:graphic>
-      </p:graphicFrame>
-      <p:graphicFrame>
-        <p:nvGraphicFramePr>
-          <p:cNvPr id="29" name="表格 28">
-            <a:extLst>
-              <a:ext uri="{FF2B5EF4-FFF2-40B4-BE49-F238E27FC236}">
-                <a16:creationId xmlns:a16="http://schemas.microsoft.com/office/drawing/2014/main" id="{79E98D55-798E-3B40-AE05-35E0347BC630}"/>
-              </a:ext>
-            </a:extLst>
-          </p:cNvPr>
-          <p:cNvGraphicFramePr>
-            <a:graphicFrameLocks noGrp="1"/>
-          </p:cNvGraphicFramePr>
-          <p:nvPr>
-            <p:extLst>
-              <p:ext uri="{D42A27DB-BD31-4B8C-83A1-F6EECF244321}">
-                <p14:modId xmlns:p14="http://schemas.microsoft.com/office/powerpoint/2010/main" val="1934311288"/>
-              </p:ext>
-            </p:extLst>
-          </p:nvPr>
-        </p:nvGraphicFramePr>
-        <p:xfrm>
-          <a:off x="4542542" y="4203302"/>
-          <a:ext cx="859465" cy="370840"/>
-        </p:xfrm>
-        <a:graphic>
-          <a:graphicData uri="http://schemas.openxmlformats.org/drawingml/2006/table">
-            <a:tbl>
-              <a:tblPr firstRow="1" bandRow="1">
-                <a:tableStyleId>{5C22544A-7EE6-4342-B048-85BDC9FD1C3A}</a:tableStyleId>
-              </a:tblPr>
-              <a:tblGrid>
-                <a:gridCol w="859465">
-                  <a:extLst>
-                    <a:ext uri="{9D8B030D-6E8A-4147-A177-3AD203B41FA5}">
-                      <a16:colId xmlns:a16="http://schemas.microsoft.com/office/drawing/2014/main" val="2192670918"/>
-                    </a:ext>
-                  </a:extLst>
-                </a:gridCol>
-              </a:tblGrid>
-              <a:tr h="370840">
-                <a:tc>
-                  <a:txBody>
-                    <a:bodyPr/>
-                    <a:lstStyle/>
-                    <a:p>
-                      <a:pPr marL="0" marR="0" lvl="0" indent="0" algn="ctr" defTabSz="914400" rtl="0" eaLnBrk="1" fontAlgn="auto" latinLnBrk="0" hangingPunct="1">
-                        <a:lnSpc>
-                          <a:spcPct val="100000"/>
-                        </a:lnSpc>
-                        <a:spcBef>
-                          <a:spcPts val="0"/>
-                        </a:spcBef>
-                        <a:spcAft>
-                          <a:spcPts val="0"/>
-                        </a:spcAft>
-                        <a:buClrTx/>
-                        <a:buSzTx/>
-                        <a:buFontTx/>
-                        <a:buNone/>
-                        <a:tabLst/>
-                        <a:defRPr/>
-                      </a:pPr>
-                      <a:r>
-                        <a:rPr lang="en-US" altLang="zh-CN" sz="1200" b="1" i="0" kern="1200" dirty="0">
-                          <a:solidFill>
-                            <a:schemeClr val="tx1"/>
-                          </a:solidFill>
-                          <a:effectLst/>
-                          <a:latin typeface="+mn-lt"/>
-                          <a:ea typeface="+mn-ea"/>
-                          <a:cs typeface="+mn-cs"/>
-                        </a:rPr>
-                        <a:t>DocBase</a:t>
-                      </a:r>
-                      <a:endParaRPr lang="zh-CN" altLang="en-US" sz="1200" b="0" i="0" dirty="0">
-                        <a:solidFill>
-                          <a:schemeClr val="tx1"/>
-                        </a:solidFill>
-                      </a:endParaRPr>
-                    </a:p>
-                  </a:txBody>
-                  <a:tcPr anchor="ctr">
-                    <a:lnL w="12700" cap="flat" cmpd="sng" algn="ctr">
-                      <a:solidFill>
-                        <a:schemeClr val="tx1"/>
-                      </a:solidFill>
-                      <a:prstDash val="solid"/>
-                      <a:round/>
-                      <a:headEnd type="none" w="med" len="med"/>
-                      <a:tailEnd type="none" w="med" len="med"/>
-                    </a:lnL>
-                    <a:lnR w="12700" cap="flat" cmpd="sng" algn="ctr">
-                      <a:solidFill>
-                        <a:schemeClr val="tx1"/>
-                      </a:solidFill>
-                      <a:prstDash val="solid"/>
-                      <a:round/>
-                      <a:headEnd type="none" w="med" len="med"/>
-                      <a:tailEnd type="none" w="med" len="med"/>
-                    </a:lnR>
-                    <a:lnT w="12700" cap="flat" cmpd="sng" algn="ctr">
-                      <a:solidFill>
-                        <a:schemeClr val="tx1"/>
-                      </a:solidFill>
-                      <a:prstDash val="solid"/>
-                      <a:round/>
-                      <a:headEnd type="none" w="med" len="med"/>
-                      <a:tailEnd type="none" w="med" len="med"/>
-                    </a:lnT>
-                    <a:lnB w="12700" cap="flat" cmpd="sng" algn="ctr">
-                      <a:solidFill>
-                        <a:schemeClr val="tx1"/>
-                      </a:solidFill>
-                      <a:prstDash val="solid"/>
-                      <a:round/>
-                      <a:headEnd type="none" w="med" len="med"/>
-                      <a:tailEnd type="none" w="med" len="med"/>
-                    </a:lnB>
-                    <a:solidFill>
-                      <a:schemeClr val="bg1"/>
-                    </a:solidFill>
-                  </a:tcPr>
-                </a:tc>
-                <a:extLst>
-                  <a:ext uri="{0D108BD9-81ED-4DB2-BD59-A6C34878D82A}">
-                    <a16:rowId xmlns:a16="http://schemas.microsoft.com/office/drawing/2014/main" val="1027363210"/>
-                  </a:ext>
-                </a:extLst>
-              </a:tr>
-            </a:tbl>
-          </a:graphicData>
-        </a:graphic>
-      </p:graphicFrame>
-      <p:sp>
-        <p:nvSpPr>
-          <p:cNvPr id="30" name="文本框 29">
-            <a:extLst>
-              <a:ext uri="{FF2B5EF4-FFF2-40B4-BE49-F238E27FC236}">
-                <a16:creationId xmlns:a16="http://schemas.microsoft.com/office/drawing/2014/main" id="{06EB466D-9077-8448-B4C5-377867F6516A}"/>
-              </a:ext>
-            </a:extLst>
-          </p:cNvPr>
-          <p:cNvSpPr txBox="1"/>
-          <p:nvPr/>
-        </p:nvSpPr>
-        <p:spPr>
-          <a:xfrm>
-            <a:off x="3971552" y="4204810"/>
-            <a:ext cx="570990" cy="369332"/>
-          </a:xfrm>
-          <a:prstGeom prst="rect">
-            <a:avLst/>
-          </a:prstGeom>
-          <a:noFill/>
-        </p:spPr>
-        <p:txBody>
-          <a:bodyPr wrap="none" rtlCol="0">
-            <a:spAutoFit/>
-          </a:bodyPr>
-          <a:lstStyle/>
-          <a:p>
-            <a:r>
-              <a:rPr kumimoji="1" lang="en-US" altLang="zh-CN" dirty="0"/>
-              <a:t>…</a:t>
-            </a:r>
-            <a:r>
-              <a:rPr kumimoji="1" lang="zh-CN" altLang="en-US" dirty="0"/>
-              <a:t> </a:t>
-            </a:r>
-            <a:r>
-              <a:rPr kumimoji="1" lang="en-US" altLang="zh-CN" dirty="0"/>
-              <a:t>…</a:t>
-            </a:r>
-            <a:endParaRPr kumimoji="1" lang="zh-CN" altLang="en-US" dirty="0"/>
-          </a:p>
-        </p:txBody>
-      </p:sp>
-      <p:cxnSp>
-        <p:nvCxnSpPr>
-          <p:cNvPr id="31" name="直线连接符 30">
-            <a:extLst>
-              <a:ext uri="{FF2B5EF4-FFF2-40B4-BE49-F238E27FC236}">
-                <a16:creationId xmlns:a16="http://schemas.microsoft.com/office/drawing/2014/main" id="{C8F461FC-C449-9742-96AD-3742E7BE2214}"/>
-              </a:ext>
-            </a:extLst>
-          </p:cNvPr>
-          <p:cNvCxnSpPr>
-            <a:cxnSpLocks/>
-          </p:cNvCxnSpPr>
-          <p:nvPr/>
-        </p:nvCxnSpPr>
-        <p:spPr>
-          <a:xfrm flipH="1">
-            <a:off x="2252622" y="3613667"/>
-            <a:ext cx="1027814" cy="589635"/>
-          </a:xfrm>
-          <a:prstGeom prst="line">
-            <a:avLst/>
-          </a:prstGeom>
-        </p:spPr>
-        <p:style>
-          <a:lnRef idx="1">
-            <a:schemeClr val="accent1"/>
-          </a:lnRef>
-          <a:fillRef idx="0">
-            <a:schemeClr val="accent1"/>
-          </a:fillRef>
-          <a:effectRef idx="0">
-            <a:schemeClr val="accent1"/>
-          </a:effectRef>
-          <a:fontRef idx="minor">
-            <a:schemeClr val="tx1"/>
-          </a:fontRef>
-        </p:style>
-      </p:cxnSp>
-      <p:cxnSp>
-        <p:nvCxnSpPr>
-          <p:cNvPr id="32" name="直线连接符 31">
-            <a:extLst>
-              <a:ext uri="{FF2B5EF4-FFF2-40B4-BE49-F238E27FC236}">
-                <a16:creationId xmlns:a16="http://schemas.microsoft.com/office/drawing/2014/main" id="{80B5D145-96C7-2143-A3CD-CAAF9C96B39B}"/>
-              </a:ext>
-            </a:extLst>
-          </p:cNvPr>
-          <p:cNvCxnSpPr>
-            <a:cxnSpLocks/>
-          </p:cNvCxnSpPr>
-          <p:nvPr/>
-        </p:nvCxnSpPr>
-        <p:spPr>
-          <a:xfrm>
-            <a:off x="4462796" y="3612913"/>
-            <a:ext cx="939211" cy="590389"/>
           </a:xfrm>
           <a:prstGeom prst="line">
             <a:avLst/>
@@ -13046,6 +12195,875 @@
           </a:fontRef>
         </p:style>
       </p:cxnSp>
+      <p:graphicFrame>
+        <p:nvGraphicFramePr>
+          <p:cNvPr id="24" name="表格 23">
+            <a:extLst>
+              <a:ext uri="{FF2B5EF4-FFF2-40B4-BE49-F238E27FC236}">
+                <a16:creationId xmlns:a16="http://schemas.microsoft.com/office/drawing/2014/main" id="{617BE1E9-B82E-1A40-AF0C-9B3ADBF186D6}"/>
+              </a:ext>
+            </a:extLst>
+          </p:cNvPr>
+          <p:cNvGraphicFramePr>
+            <a:graphicFrameLocks noGrp="1"/>
+          </p:cNvGraphicFramePr>
+          <p:nvPr>
+            <p:extLst>
+              <p:ext uri="{D42A27DB-BD31-4B8C-83A1-F6EECF244321}">
+                <p14:modId xmlns:p14="http://schemas.microsoft.com/office/powerpoint/2010/main" val="948020247"/>
+              </p:ext>
+            </p:extLst>
+          </p:nvPr>
+        </p:nvGraphicFramePr>
+        <p:xfrm>
+          <a:off x="1759080" y="3242073"/>
+          <a:ext cx="2600226" cy="370840"/>
+        </p:xfrm>
+        <a:graphic>
+          <a:graphicData uri="http://schemas.openxmlformats.org/drawingml/2006/table">
+            <a:tbl>
+              <a:tblPr firstRow="1" bandRow="1">
+                <a:tableStyleId>{5C22544A-7EE6-4342-B048-85BDC9FD1C3A}</a:tableStyleId>
+              </a:tblPr>
+              <a:tblGrid>
+                <a:gridCol w="1300113">
+                  <a:extLst>
+                    <a:ext uri="{9D8B030D-6E8A-4147-A177-3AD203B41FA5}">
+                      <a16:colId xmlns:a16="http://schemas.microsoft.com/office/drawing/2014/main" val="2192670918"/>
+                    </a:ext>
+                  </a:extLst>
+                </a:gridCol>
+                <a:gridCol w="1300113">
+                  <a:extLst>
+                    <a:ext uri="{9D8B030D-6E8A-4147-A177-3AD203B41FA5}">
+                      <a16:colId xmlns:a16="http://schemas.microsoft.com/office/drawing/2014/main" val="3531190929"/>
+                    </a:ext>
+                  </a:extLst>
+                </a:gridCol>
+              </a:tblGrid>
+              <a:tr h="370840">
+                <a:tc>
+                  <a:txBody>
+                    <a:bodyPr/>
+                    <a:lstStyle/>
+                    <a:p>
+                      <a:pPr algn="ctr"/>
+                      <a:r>
+                        <a:rPr lang="en-US" altLang="zh-CN" sz="1200" b="1" i="0" kern="1200" dirty="0">
+                          <a:solidFill>
+                            <a:schemeClr val="tx1"/>
+                          </a:solidFill>
+                          <a:effectLst/>
+                          <a:latin typeface="+mn-lt"/>
+                          <a:ea typeface="+mn-ea"/>
+                          <a:cs typeface="+mn-cs"/>
+                        </a:rPr>
+                        <a:t>NumDocsBlock</a:t>
+                      </a:r>
+                      <a:endParaRPr lang="zh-CN" altLang="en-US" sz="1200" b="0" i="0" dirty="0">
+                        <a:solidFill>
+                          <a:schemeClr val="tx1"/>
+                        </a:solidFill>
+                      </a:endParaRPr>
+                    </a:p>
+                  </a:txBody>
+                  <a:tcPr anchor="ctr">
+                    <a:lnL w="12700" cap="flat" cmpd="sng" algn="ctr">
+                      <a:solidFill>
+                        <a:schemeClr val="tx1"/>
+                      </a:solidFill>
+                      <a:prstDash val="solid"/>
+                      <a:round/>
+                      <a:headEnd type="none" w="med" len="med"/>
+                      <a:tailEnd type="none" w="med" len="med"/>
+                    </a:lnL>
+                    <a:lnR w="12700" cap="flat" cmpd="sng" algn="ctr">
+                      <a:solidFill>
+                        <a:schemeClr val="tx1"/>
+                      </a:solidFill>
+                      <a:prstDash val="solid"/>
+                      <a:round/>
+                      <a:headEnd type="none" w="med" len="med"/>
+                      <a:tailEnd type="none" w="med" len="med"/>
+                    </a:lnR>
+                    <a:lnT w="12700" cap="flat" cmpd="sng" algn="ctr">
+                      <a:solidFill>
+                        <a:schemeClr val="tx1"/>
+                      </a:solidFill>
+                      <a:prstDash val="solid"/>
+                      <a:round/>
+                      <a:headEnd type="none" w="med" len="med"/>
+                      <a:tailEnd type="none" w="med" len="med"/>
+                    </a:lnT>
+                    <a:lnB w="12700" cap="flat" cmpd="sng" algn="ctr">
+                      <a:solidFill>
+                        <a:schemeClr val="tx1"/>
+                      </a:solidFill>
+                      <a:prstDash val="solid"/>
+                      <a:round/>
+                      <a:headEnd type="none" w="med" len="med"/>
+                      <a:tailEnd type="none" w="med" len="med"/>
+                    </a:lnB>
+                    <a:solidFill>
+                      <a:schemeClr val="accent5">
+                        <a:lumMod val="60000"/>
+                        <a:lumOff val="40000"/>
+                      </a:schemeClr>
+                    </a:solidFill>
+                  </a:tcPr>
+                </a:tc>
+                <a:tc>
+                  <a:txBody>
+                    <a:bodyPr/>
+                    <a:lstStyle/>
+                    <a:p>
+                      <a:pPr marL="0" marR="0" lvl="0" indent="0" algn="ctr" defTabSz="914400" rtl="0" eaLnBrk="1" fontAlgn="auto" latinLnBrk="0" hangingPunct="1">
+                        <a:lnSpc>
+                          <a:spcPct val="100000"/>
+                        </a:lnSpc>
+                        <a:spcBef>
+                          <a:spcPts val="0"/>
+                        </a:spcBef>
+                        <a:spcAft>
+                          <a:spcPts val="0"/>
+                        </a:spcAft>
+                        <a:buClrTx/>
+                        <a:buSzTx/>
+                        <a:buFontTx/>
+                        <a:buNone/>
+                        <a:tabLst/>
+                        <a:defRPr/>
+                      </a:pPr>
+                      <a:r>
+                        <a:rPr lang="en-US" altLang="zh-CN" sz="1200" b="1" i="0" kern="1200" dirty="0">
+                          <a:solidFill>
+                            <a:schemeClr val="tx1"/>
+                          </a:solidFill>
+                          <a:effectLst/>
+                          <a:latin typeface="+mn-lt"/>
+                          <a:ea typeface="+mn-ea"/>
+                          <a:cs typeface="+mn-cs"/>
+                        </a:rPr>
+                        <a:t>NumDocsBlock</a:t>
+                      </a:r>
+                      <a:endParaRPr lang="zh-CN" altLang="en-US" sz="1200" b="0" i="0" dirty="0">
+                        <a:solidFill>
+                          <a:schemeClr val="tx1"/>
+                        </a:solidFill>
+                      </a:endParaRPr>
+                    </a:p>
+                  </a:txBody>
+                  <a:tcPr anchor="ctr">
+                    <a:lnL w="12700" cap="flat" cmpd="sng" algn="ctr">
+                      <a:solidFill>
+                        <a:schemeClr val="tx1"/>
+                      </a:solidFill>
+                      <a:prstDash val="solid"/>
+                      <a:round/>
+                      <a:headEnd type="none" w="med" len="med"/>
+                      <a:tailEnd type="none" w="med" len="med"/>
+                    </a:lnL>
+                    <a:lnR w="12700" cap="flat" cmpd="sng" algn="ctr">
+                      <a:solidFill>
+                        <a:schemeClr val="tx1"/>
+                      </a:solidFill>
+                      <a:prstDash val="solid"/>
+                      <a:round/>
+                      <a:headEnd type="none" w="med" len="med"/>
+                      <a:tailEnd type="none" w="med" len="med"/>
+                    </a:lnR>
+                    <a:lnT w="12700" cap="flat" cmpd="sng" algn="ctr">
+                      <a:solidFill>
+                        <a:schemeClr val="tx1"/>
+                      </a:solidFill>
+                      <a:prstDash val="solid"/>
+                      <a:round/>
+                      <a:headEnd type="none" w="med" len="med"/>
+                      <a:tailEnd type="none" w="med" len="med"/>
+                    </a:lnT>
+                    <a:lnB w="12700" cap="flat" cmpd="sng" algn="ctr">
+                      <a:solidFill>
+                        <a:schemeClr val="tx1"/>
+                      </a:solidFill>
+                      <a:prstDash val="solid"/>
+                      <a:round/>
+                      <a:headEnd type="none" w="med" len="med"/>
+                      <a:tailEnd type="none" w="med" len="med"/>
+                    </a:lnB>
+                    <a:solidFill>
+                      <a:schemeClr val="accent5">
+                        <a:lumMod val="60000"/>
+                        <a:lumOff val="40000"/>
+                      </a:schemeClr>
+                    </a:solidFill>
+                  </a:tcPr>
+                </a:tc>
+                <a:extLst>
+                  <a:ext uri="{0D108BD9-81ED-4DB2-BD59-A6C34878D82A}">
+                    <a16:rowId xmlns:a16="http://schemas.microsoft.com/office/drawing/2014/main" val="1027363210"/>
+                  </a:ext>
+                </a:extLst>
+              </a:tr>
+            </a:tbl>
+          </a:graphicData>
+        </a:graphic>
+      </p:graphicFrame>
+      <p:graphicFrame>
+        <p:nvGraphicFramePr>
+          <p:cNvPr id="25" name="表格 24">
+            <a:extLst>
+              <a:ext uri="{FF2B5EF4-FFF2-40B4-BE49-F238E27FC236}">
+                <a16:creationId xmlns:a16="http://schemas.microsoft.com/office/drawing/2014/main" id="{BDB00775-8F7B-2541-98D3-F21216CE0A64}"/>
+              </a:ext>
+            </a:extLst>
+          </p:cNvPr>
+          <p:cNvGraphicFramePr>
+            <a:graphicFrameLocks noGrp="1"/>
+          </p:cNvGraphicFramePr>
+          <p:nvPr>
+            <p:extLst>
+              <p:ext uri="{D42A27DB-BD31-4B8C-83A1-F6EECF244321}">
+                <p14:modId xmlns:p14="http://schemas.microsoft.com/office/powerpoint/2010/main" val="1316469031"/>
+              </p:ext>
+            </p:extLst>
+          </p:nvPr>
+        </p:nvGraphicFramePr>
+        <p:xfrm>
+          <a:off x="4934299" y="3240565"/>
+          <a:ext cx="1350709" cy="370840"/>
+        </p:xfrm>
+        <a:graphic>
+          <a:graphicData uri="http://schemas.openxmlformats.org/drawingml/2006/table">
+            <a:tbl>
+              <a:tblPr firstRow="1" bandRow="1">
+                <a:tableStyleId>{5C22544A-7EE6-4342-B048-85BDC9FD1C3A}</a:tableStyleId>
+              </a:tblPr>
+              <a:tblGrid>
+                <a:gridCol w="1350709">
+                  <a:extLst>
+                    <a:ext uri="{9D8B030D-6E8A-4147-A177-3AD203B41FA5}">
+                      <a16:colId xmlns:a16="http://schemas.microsoft.com/office/drawing/2014/main" val="2192670918"/>
+                    </a:ext>
+                  </a:extLst>
+                </a:gridCol>
+              </a:tblGrid>
+              <a:tr h="370840">
+                <a:tc>
+                  <a:txBody>
+                    <a:bodyPr/>
+                    <a:lstStyle/>
+                    <a:p>
+                      <a:pPr marL="0" marR="0" lvl="0" indent="0" algn="ctr" defTabSz="914400" rtl="0" eaLnBrk="1" fontAlgn="auto" latinLnBrk="0" hangingPunct="1">
+                        <a:lnSpc>
+                          <a:spcPct val="100000"/>
+                        </a:lnSpc>
+                        <a:spcBef>
+                          <a:spcPts val="0"/>
+                        </a:spcBef>
+                        <a:spcAft>
+                          <a:spcPts val="0"/>
+                        </a:spcAft>
+                        <a:buClrTx/>
+                        <a:buSzTx/>
+                        <a:buFontTx/>
+                        <a:buNone/>
+                        <a:tabLst/>
+                        <a:defRPr/>
+                      </a:pPr>
+                      <a:r>
+                        <a:rPr lang="en-US" altLang="zh-CN" sz="1200" b="1" i="0" kern="1200" dirty="0">
+                          <a:solidFill>
+                            <a:schemeClr val="tx1"/>
+                          </a:solidFill>
+                          <a:effectLst/>
+                          <a:latin typeface="+mn-lt"/>
+                          <a:ea typeface="+mn-ea"/>
+                          <a:cs typeface="+mn-cs"/>
+                        </a:rPr>
+                        <a:t>NumDocsBlock</a:t>
+                      </a:r>
+                      <a:endParaRPr lang="zh-CN" altLang="en-US" sz="1200" b="0" i="0" dirty="0">
+                        <a:solidFill>
+                          <a:schemeClr val="tx1"/>
+                        </a:solidFill>
+                      </a:endParaRPr>
+                    </a:p>
+                  </a:txBody>
+                  <a:tcPr anchor="ctr">
+                    <a:lnL w="12700" cap="flat" cmpd="sng" algn="ctr">
+                      <a:solidFill>
+                        <a:schemeClr val="tx1"/>
+                      </a:solidFill>
+                      <a:prstDash val="solid"/>
+                      <a:round/>
+                      <a:headEnd type="none" w="med" len="med"/>
+                      <a:tailEnd type="none" w="med" len="med"/>
+                    </a:lnL>
+                    <a:lnR w="12700" cap="flat" cmpd="sng" algn="ctr">
+                      <a:solidFill>
+                        <a:schemeClr val="tx1"/>
+                      </a:solidFill>
+                      <a:prstDash val="solid"/>
+                      <a:round/>
+                      <a:headEnd type="none" w="med" len="med"/>
+                      <a:tailEnd type="none" w="med" len="med"/>
+                    </a:lnR>
+                    <a:lnT w="12700" cap="flat" cmpd="sng" algn="ctr">
+                      <a:solidFill>
+                        <a:schemeClr val="tx1"/>
+                      </a:solidFill>
+                      <a:prstDash val="solid"/>
+                      <a:round/>
+                      <a:headEnd type="none" w="med" len="med"/>
+                      <a:tailEnd type="none" w="med" len="med"/>
+                    </a:lnT>
+                    <a:lnB w="12700" cap="flat" cmpd="sng" algn="ctr">
+                      <a:solidFill>
+                        <a:schemeClr val="tx1"/>
+                      </a:solidFill>
+                      <a:prstDash val="solid"/>
+                      <a:round/>
+                      <a:headEnd type="none" w="med" len="med"/>
+                      <a:tailEnd type="none" w="med" len="med"/>
+                    </a:lnB>
+                    <a:solidFill>
+                      <a:schemeClr val="accent5">
+                        <a:lumMod val="60000"/>
+                        <a:lumOff val="40000"/>
+                      </a:schemeClr>
+                    </a:solidFill>
+                  </a:tcPr>
+                </a:tc>
+                <a:extLst>
+                  <a:ext uri="{0D108BD9-81ED-4DB2-BD59-A6C34878D82A}">
+                    <a16:rowId xmlns:a16="http://schemas.microsoft.com/office/drawing/2014/main" val="1027363210"/>
+                  </a:ext>
+                </a:extLst>
+              </a:tr>
+            </a:tbl>
+          </a:graphicData>
+        </a:graphic>
+      </p:graphicFrame>
+      <p:sp>
+        <p:nvSpPr>
+          <p:cNvPr id="26" name="文本框 25">
+            <a:extLst>
+              <a:ext uri="{FF2B5EF4-FFF2-40B4-BE49-F238E27FC236}">
+                <a16:creationId xmlns:a16="http://schemas.microsoft.com/office/drawing/2014/main" id="{756EC032-EB48-E94A-9333-5E3F174D075E}"/>
+              </a:ext>
+            </a:extLst>
+          </p:cNvPr>
+          <p:cNvSpPr txBox="1"/>
+          <p:nvPr/>
+        </p:nvSpPr>
+        <p:spPr>
+          <a:xfrm>
+            <a:off x="4333662" y="3242073"/>
+            <a:ext cx="570990" cy="369332"/>
+          </a:xfrm>
+          <a:prstGeom prst="rect">
+            <a:avLst/>
+          </a:prstGeom>
+          <a:noFill/>
+        </p:spPr>
+        <p:txBody>
+          <a:bodyPr wrap="none" rtlCol="0">
+            <a:spAutoFit/>
+          </a:bodyPr>
+          <a:lstStyle/>
+          <a:p>
+            <a:r>
+              <a:rPr kumimoji="1" lang="en-US" altLang="zh-CN" dirty="0"/>
+              <a:t>…</a:t>
+            </a:r>
+            <a:r>
+              <a:rPr kumimoji="1" lang="zh-CN" altLang="en-US" dirty="0"/>
+              <a:t> </a:t>
+            </a:r>
+            <a:r>
+              <a:rPr kumimoji="1" lang="en-US" altLang="zh-CN" dirty="0"/>
+              <a:t>…</a:t>
+            </a:r>
+            <a:endParaRPr kumimoji="1" lang="zh-CN" altLang="en-US" dirty="0"/>
+          </a:p>
+        </p:txBody>
+      </p:sp>
+      <p:graphicFrame>
+        <p:nvGraphicFramePr>
+          <p:cNvPr id="41" name="表格 40">
+            <a:extLst>
+              <a:ext uri="{FF2B5EF4-FFF2-40B4-BE49-F238E27FC236}">
+                <a16:creationId xmlns:a16="http://schemas.microsoft.com/office/drawing/2014/main" id="{6A892DE5-8764-9A40-A192-E96CE3AA4ED1}"/>
+              </a:ext>
+            </a:extLst>
+          </p:cNvPr>
+          <p:cNvGraphicFramePr>
+            <a:graphicFrameLocks noGrp="1"/>
+          </p:cNvGraphicFramePr>
+          <p:nvPr>
+            <p:extLst>
+              <p:ext uri="{D42A27DB-BD31-4B8C-83A1-F6EECF244321}">
+                <p14:modId xmlns:p14="http://schemas.microsoft.com/office/powerpoint/2010/main" val="826858891"/>
+              </p:ext>
+            </p:extLst>
+          </p:nvPr>
+        </p:nvGraphicFramePr>
+        <p:xfrm>
+          <a:off x="1962444" y="4182895"/>
+          <a:ext cx="1828800" cy="370840"/>
+        </p:xfrm>
+        <a:graphic>
+          <a:graphicData uri="http://schemas.openxmlformats.org/drawingml/2006/table">
+            <a:tbl>
+              <a:tblPr firstRow="1" bandRow="1">
+                <a:tableStyleId>{5C22544A-7EE6-4342-B048-85BDC9FD1C3A}</a:tableStyleId>
+              </a:tblPr>
+              <a:tblGrid>
+                <a:gridCol w="914400">
+                  <a:extLst>
+                    <a:ext uri="{9D8B030D-6E8A-4147-A177-3AD203B41FA5}">
+                      <a16:colId xmlns:a16="http://schemas.microsoft.com/office/drawing/2014/main" val="2192670918"/>
+                    </a:ext>
+                  </a:extLst>
+                </a:gridCol>
+                <a:gridCol w="914400">
+                  <a:extLst>
+                    <a:ext uri="{9D8B030D-6E8A-4147-A177-3AD203B41FA5}">
+                      <a16:colId xmlns:a16="http://schemas.microsoft.com/office/drawing/2014/main" val="2033918854"/>
+                    </a:ext>
+                  </a:extLst>
+                </a:gridCol>
+              </a:tblGrid>
+              <a:tr h="370840">
+                <a:tc>
+                  <a:txBody>
+                    <a:bodyPr/>
+                    <a:lstStyle/>
+                    <a:p>
+                      <a:pPr marL="0" marR="0" lvl="0" indent="0" algn="ctr" defTabSz="914400" rtl="0" eaLnBrk="1" fontAlgn="auto" latinLnBrk="0" hangingPunct="1">
+                        <a:lnSpc>
+                          <a:spcPct val="100000"/>
+                        </a:lnSpc>
+                        <a:spcBef>
+                          <a:spcPts val="0"/>
+                        </a:spcBef>
+                        <a:spcAft>
+                          <a:spcPts val="0"/>
+                        </a:spcAft>
+                        <a:buClrTx/>
+                        <a:buSzTx/>
+                        <a:buFontTx/>
+                        <a:buNone/>
+                        <a:tabLst/>
+                        <a:defRPr/>
+                      </a:pPr>
+                      <a:r>
+                        <a:rPr lang="en-US" altLang="zh-CN" sz="1200" b="1" i="0" kern="1200" dirty="0">
+                          <a:solidFill>
+                            <a:schemeClr val="tx1"/>
+                          </a:solidFill>
+                          <a:effectLst/>
+                          <a:latin typeface="+mn-lt"/>
+                          <a:ea typeface="+mn-ea"/>
+                          <a:cs typeface="+mn-cs"/>
+                        </a:rPr>
+                        <a:t>NumDoc</a:t>
+                      </a:r>
+                      <a:endParaRPr lang="zh-CN" altLang="en-US" sz="1200" b="0" i="0" dirty="0">
+                        <a:solidFill>
+                          <a:schemeClr val="tx1"/>
+                        </a:solidFill>
+                      </a:endParaRPr>
+                    </a:p>
+                  </a:txBody>
+                  <a:tcPr anchor="ctr">
+                    <a:lnL w="12700" cap="flat" cmpd="sng" algn="ctr">
+                      <a:solidFill>
+                        <a:schemeClr val="tx1"/>
+                      </a:solidFill>
+                      <a:prstDash val="solid"/>
+                      <a:round/>
+                      <a:headEnd type="none" w="med" len="med"/>
+                      <a:tailEnd type="none" w="med" len="med"/>
+                    </a:lnL>
+                    <a:lnR w="12700" cap="flat" cmpd="sng" algn="ctr">
+                      <a:solidFill>
+                        <a:schemeClr val="tx1"/>
+                      </a:solidFill>
+                      <a:prstDash val="solid"/>
+                      <a:round/>
+                      <a:headEnd type="none" w="med" len="med"/>
+                      <a:tailEnd type="none" w="med" len="med"/>
+                    </a:lnR>
+                    <a:lnT w="12700" cap="flat" cmpd="sng" algn="ctr">
+                      <a:solidFill>
+                        <a:schemeClr val="tx1"/>
+                      </a:solidFill>
+                      <a:prstDash val="solid"/>
+                      <a:round/>
+                      <a:headEnd type="none" w="med" len="med"/>
+                      <a:tailEnd type="none" w="med" len="med"/>
+                    </a:lnT>
+                    <a:lnB w="12700" cap="flat" cmpd="sng" algn="ctr">
+                      <a:solidFill>
+                        <a:schemeClr val="tx1"/>
+                      </a:solidFill>
+                      <a:prstDash val="solid"/>
+                      <a:round/>
+                      <a:headEnd type="none" w="med" len="med"/>
+                      <a:tailEnd type="none" w="med" len="med"/>
+                    </a:lnB>
+                    <a:solidFill>
+                      <a:schemeClr val="bg1"/>
+                    </a:solidFill>
+                  </a:tcPr>
+                </a:tc>
+                <a:tc>
+                  <a:txBody>
+                    <a:bodyPr/>
+                    <a:lstStyle/>
+                    <a:p>
+                      <a:pPr marL="0" marR="0" lvl="0" indent="0" algn="ctr" defTabSz="914400" rtl="0" eaLnBrk="1" fontAlgn="auto" latinLnBrk="0" hangingPunct="1">
+                        <a:lnSpc>
+                          <a:spcPct val="100000"/>
+                        </a:lnSpc>
+                        <a:spcBef>
+                          <a:spcPts val="0"/>
+                        </a:spcBef>
+                        <a:spcAft>
+                          <a:spcPts val="0"/>
+                        </a:spcAft>
+                        <a:buClrTx/>
+                        <a:buSzTx/>
+                        <a:buFontTx/>
+                        <a:buNone/>
+                        <a:tabLst/>
+                        <a:defRPr/>
+                      </a:pPr>
+                      <a:r>
+                        <a:rPr lang="en-US" altLang="zh-CN" sz="1200" b="1" i="0" kern="1200" dirty="0">
+                          <a:solidFill>
+                            <a:schemeClr val="tx1"/>
+                          </a:solidFill>
+                          <a:effectLst/>
+                          <a:latin typeface="+mn-lt"/>
+                          <a:ea typeface="+mn-ea"/>
+                          <a:cs typeface="+mn-cs"/>
+                        </a:rPr>
+                        <a:t>NumDoc</a:t>
+                      </a:r>
+                      <a:endParaRPr lang="zh-CN" altLang="en-US" sz="1200" b="0" i="0" dirty="0">
+                        <a:solidFill>
+                          <a:schemeClr val="tx1"/>
+                        </a:solidFill>
+                      </a:endParaRPr>
+                    </a:p>
+                  </a:txBody>
+                  <a:tcPr anchor="ctr">
+                    <a:lnL w="12700" cap="flat" cmpd="sng" algn="ctr">
+                      <a:solidFill>
+                        <a:schemeClr val="tx1"/>
+                      </a:solidFill>
+                      <a:prstDash val="solid"/>
+                      <a:round/>
+                      <a:headEnd type="none" w="med" len="med"/>
+                      <a:tailEnd type="none" w="med" len="med"/>
+                    </a:lnL>
+                    <a:lnR w="12700" cap="flat" cmpd="sng" algn="ctr">
+                      <a:solidFill>
+                        <a:schemeClr val="tx1"/>
+                      </a:solidFill>
+                      <a:prstDash val="solid"/>
+                      <a:round/>
+                      <a:headEnd type="none" w="med" len="med"/>
+                      <a:tailEnd type="none" w="med" len="med"/>
+                    </a:lnR>
+                    <a:lnT w="12700" cap="flat" cmpd="sng" algn="ctr">
+                      <a:solidFill>
+                        <a:schemeClr val="tx1"/>
+                      </a:solidFill>
+                      <a:prstDash val="solid"/>
+                      <a:round/>
+                      <a:headEnd type="none" w="med" len="med"/>
+                      <a:tailEnd type="none" w="med" len="med"/>
+                    </a:lnT>
+                    <a:lnB w="12700" cap="flat" cmpd="sng" algn="ctr">
+                      <a:solidFill>
+                        <a:schemeClr val="tx1"/>
+                      </a:solidFill>
+                      <a:prstDash val="solid"/>
+                      <a:round/>
+                      <a:headEnd type="none" w="med" len="med"/>
+                      <a:tailEnd type="none" w="med" len="med"/>
+                    </a:lnB>
+                    <a:solidFill>
+                      <a:schemeClr val="bg1"/>
+                    </a:solidFill>
+                  </a:tcPr>
+                </a:tc>
+                <a:extLst>
+                  <a:ext uri="{0D108BD9-81ED-4DB2-BD59-A6C34878D82A}">
+                    <a16:rowId xmlns:a16="http://schemas.microsoft.com/office/drawing/2014/main" val="1027363210"/>
+                  </a:ext>
+                </a:extLst>
+              </a:tr>
+            </a:tbl>
+          </a:graphicData>
+        </a:graphic>
+      </p:graphicFrame>
+      <p:graphicFrame>
+        <p:nvGraphicFramePr>
+          <p:cNvPr id="42" name="表格 41">
+            <a:extLst>
+              <a:ext uri="{FF2B5EF4-FFF2-40B4-BE49-F238E27FC236}">
+                <a16:creationId xmlns:a16="http://schemas.microsoft.com/office/drawing/2014/main" id="{E66C8174-76B8-4C4E-9264-5EA1A4A74718}"/>
+              </a:ext>
+            </a:extLst>
+          </p:cNvPr>
+          <p:cNvGraphicFramePr>
+            <a:graphicFrameLocks noGrp="1"/>
+          </p:cNvGraphicFramePr>
+          <p:nvPr>
+            <p:extLst>
+              <p:ext uri="{D42A27DB-BD31-4B8C-83A1-F6EECF244321}">
+                <p14:modId xmlns:p14="http://schemas.microsoft.com/office/powerpoint/2010/main" val="3782098823"/>
+              </p:ext>
+            </p:extLst>
+          </p:nvPr>
+        </p:nvGraphicFramePr>
+        <p:xfrm>
+          <a:off x="4362234" y="4182895"/>
+          <a:ext cx="916548" cy="370840"/>
+        </p:xfrm>
+        <a:graphic>
+          <a:graphicData uri="http://schemas.openxmlformats.org/drawingml/2006/table">
+            <a:tbl>
+              <a:tblPr firstRow="1" bandRow="1">
+                <a:tableStyleId>{5C22544A-7EE6-4342-B048-85BDC9FD1C3A}</a:tableStyleId>
+              </a:tblPr>
+              <a:tblGrid>
+                <a:gridCol w="916548">
+                  <a:extLst>
+                    <a:ext uri="{9D8B030D-6E8A-4147-A177-3AD203B41FA5}">
+                      <a16:colId xmlns:a16="http://schemas.microsoft.com/office/drawing/2014/main" val="2192670918"/>
+                    </a:ext>
+                  </a:extLst>
+                </a:gridCol>
+              </a:tblGrid>
+              <a:tr h="370840">
+                <a:tc>
+                  <a:txBody>
+                    <a:bodyPr/>
+                    <a:lstStyle/>
+                    <a:p>
+                      <a:pPr marL="0" marR="0" lvl="0" indent="0" algn="ctr" defTabSz="914400" rtl="0" eaLnBrk="1" fontAlgn="auto" latinLnBrk="0" hangingPunct="1">
+                        <a:lnSpc>
+                          <a:spcPct val="100000"/>
+                        </a:lnSpc>
+                        <a:spcBef>
+                          <a:spcPts val="0"/>
+                        </a:spcBef>
+                        <a:spcAft>
+                          <a:spcPts val="0"/>
+                        </a:spcAft>
+                        <a:buClrTx/>
+                        <a:buSzTx/>
+                        <a:buFontTx/>
+                        <a:buNone/>
+                        <a:tabLst/>
+                        <a:defRPr/>
+                      </a:pPr>
+                      <a:r>
+                        <a:rPr lang="en-US" altLang="zh-CN" sz="1200" b="1" i="0" kern="1200" dirty="0">
+                          <a:solidFill>
+                            <a:schemeClr val="tx1"/>
+                          </a:solidFill>
+                          <a:effectLst/>
+                          <a:latin typeface="+mn-lt"/>
+                          <a:ea typeface="+mn-ea"/>
+                          <a:cs typeface="+mn-cs"/>
+                        </a:rPr>
+                        <a:t>NumDoc</a:t>
+                      </a:r>
+                      <a:endParaRPr lang="zh-CN" altLang="en-US" sz="1200" b="0" i="0" dirty="0">
+                        <a:solidFill>
+                          <a:schemeClr val="tx1"/>
+                        </a:solidFill>
+                      </a:endParaRPr>
+                    </a:p>
+                  </a:txBody>
+                  <a:tcPr anchor="ctr">
+                    <a:lnL w="12700" cap="flat" cmpd="sng" algn="ctr">
+                      <a:solidFill>
+                        <a:schemeClr val="tx1"/>
+                      </a:solidFill>
+                      <a:prstDash val="solid"/>
+                      <a:round/>
+                      <a:headEnd type="none" w="med" len="med"/>
+                      <a:tailEnd type="none" w="med" len="med"/>
+                    </a:lnL>
+                    <a:lnR w="12700" cap="flat" cmpd="sng" algn="ctr">
+                      <a:solidFill>
+                        <a:schemeClr val="tx1"/>
+                      </a:solidFill>
+                      <a:prstDash val="solid"/>
+                      <a:round/>
+                      <a:headEnd type="none" w="med" len="med"/>
+                      <a:tailEnd type="none" w="med" len="med"/>
+                    </a:lnR>
+                    <a:lnT w="12700" cap="flat" cmpd="sng" algn="ctr">
+                      <a:solidFill>
+                        <a:schemeClr val="tx1"/>
+                      </a:solidFill>
+                      <a:prstDash val="solid"/>
+                      <a:round/>
+                      <a:headEnd type="none" w="med" len="med"/>
+                      <a:tailEnd type="none" w="med" len="med"/>
+                    </a:lnT>
+                    <a:lnB w="12700" cap="flat" cmpd="sng" algn="ctr">
+                      <a:solidFill>
+                        <a:schemeClr val="tx1"/>
+                      </a:solidFill>
+                      <a:prstDash val="solid"/>
+                      <a:round/>
+                      <a:headEnd type="none" w="med" len="med"/>
+                      <a:tailEnd type="none" w="med" len="med"/>
+                    </a:lnB>
+                    <a:solidFill>
+                      <a:schemeClr val="bg1"/>
+                    </a:solidFill>
+                  </a:tcPr>
+                </a:tc>
+                <a:extLst>
+                  <a:ext uri="{0D108BD9-81ED-4DB2-BD59-A6C34878D82A}">
+                    <a16:rowId xmlns:a16="http://schemas.microsoft.com/office/drawing/2014/main" val="1027363210"/>
+                  </a:ext>
+                </a:extLst>
+              </a:tr>
+            </a:tbl>
+          </a:graphicData>
+        </a:graphic>
+      </p:graphicFrame>
+      <p:sp>
+        <p:nvSpPr>
+          <p:cNvPr id="43" name="文本框 42">
+            <a:extLst>
+              <a:ext uri="{FF2B5EF4-FFF2-40B4-BE49-F238E27FC236}">
+                <a16:creationId xmlns:a16="http://schemas.microsoft.com/office/drawing/2014/main" id="{04E3B926-6F60-C443-AAD8-2FC44C4696C3}"/>
+              </a:ext>
+            </a:extLst>
+          </p:cNvPr>
+          <p:cNvSpPr txBox="1"/>
+          <p:nvPr/>
+        </p:nvSpPr>
+        <p:spPr>
+          <a:xfrm>
+            <a:off x="3791244" y="4184403"/>
+            <a:ext cx="570990" cy="369332"/>
+          </a:xfrm>
+          <a:prstGeom prst="rect">
+            <a:avLst/>
+          </a:prstGeom>
+          <a:noFill/>
+        </p:spPr>
+        <p:txBody>
+          <a:bodyPr wrap="none" rtlCol="0">
+            <a:spAutoFit/>
+          </a:bodyPr>
+          <a:lstStyle/>
+          <a:p>
+            <a:r>
+              <a:rPr kumimoji="1" lang="en-US" altLang="zh-CN" dirty="0"/>
+              <a:t>…</a:t>
+            </a:r>
+            <a:r>
+              <a:rPr kumimoji="1" lang="zh-CN" altLang="en-US" dirty="0"/>
+              <a:t> </a:t>
+            </a:r>
+            <a:r>
+              <a:rPr kumimoji="1" lang="en-US" altLang="zh-CN" dirty="0"/>
+              <a:t>…</a:t>
+            </a:r>
+            <a:endParaRPr kumimoji="1" lang="zh-CN" altLang="en-US" dirty="0"/>
+          </a:p>
+        </p:txBody>
+      </p:sp>
+      <p:cxnSp>
+        <p:nvCxnSpPr>
+          <p:cNvPr id="44" name="直线连接符 43">
+            <a:extLst>
+              <a:ext uri="{FF2B5EF4-FFF2-40B4-BE49-F238E27FC236}">
+                <a16:creationId xmlns:a16="http://schemas.microsoft.com/office/drawing/2014/main" id="{D393D2EE-25B1-1B4B-81DC-ECA8D02FA750}"/>
+              </a:ext>
+            </a:extLst>
+          </p:cNvPr>
+          <p:cNvCxnSpPr>
+            <a:cxnSpLocks/>
+          </p:cNvCxnSpPr>
+          <p:nvPr/>
+        </p:nvCxnSpPr>
+        <p:spPr>
+          <a:xfrm flipH="1">
+            <a:off x="1962444" y="3593260"/>
+            <a:ext cx="1137684" cy="588881"/>
+          </a:xfrm>
+          <a:prstGeom prst="line">
+            <a:avLst/>
+          </a:prstGeom>
+        </p:spPr>
+        <p:style>
+          <a:lnRef idx="1">
+            <a:schemeClr val="accent1"/>
+          </a:lnRef>
+          <a:fillRef idx="0">
+            <a:schemeClr val="accent1"/>
+          </a:fillRef>
+          <a:effectRef idx="0">
+            <a:schemeClr val="accent1"/>
+          </a:effectRef>
+          <a:fontRef idx="minor">
+            <a:schemeClr val="tx1"/>
+          </a:fontRef>
+        </p:style>
+      </p:cxnSp>
+      <p:cxnSp>
+        <p:nvCxnSpPr>
+          <p:cNvPr id="45" name="直线连接符 44">
+            <a:extLst>
+              <a:ext uri="{FF2B5EF4-FFF2-40B4-BE49-F238E27FC236}">
+                <a16:creationId xmlns:a16="http://schemas.microsoft.com/office/drawing/2014/main" id="{A15792E5-211B-F74F-BFA4-C580CEF98C34}"/>
+              </a:ext>
+            </a:extLst>
+          </p:cNvPr>
+          <p:cNvCxnSpPr>
+            <a:cxnSpLocks/>
+          </p:cNvCxnSpPr>
+          <p:nvPr/>
+        </p:nvCxnSpPr>
+        <p:spPr>
+          <a:xfrm>
+            <a:off x="4305151" y="3592506"/>
+            <a:ext cx="973631" cy="589635"/>
+          </a:xfrm>
+          <a:prstGeom prst="line">
+            <a:avLst/>
+          </a:prstGeom>
+        </p:spPr>
+        <p:style>
+          <a:lnRef idx="1">
+            <a:schemeClr val="accent1"/>
+          </a:lnRef>
+          <a:fillRef idx="0">
+            <a:schemeClr val="accent1"/>
+          </a:fillRef>
+          <a:effectRef idx="0">
+            <a:schemeClr val="accent1"/>
+          </a:effectRef>
+          <a:fontRef idx="minor">
+            <a:schemeClr val="tx1"/>
+          </a:fontRef>
+        </p:style>
+      </p:cxnSp>
     </p:spTree>
     <p:extLst>
       <p:ext uri="{BB962C8B-B14F-4D97-AF65-F5344CB8AC3E}">
@@ -13091,7 +13109,7 @@
           <p:nvPr>
             <p:extLst>
               <p:ext uri="{D42A27DB-BD31-4B8C-83A1-F6EECF244321}">
-                <p14:modId xmlns:p14="http://schemas.microsoft.com/office/powerpoint/2010/main" val="2211047780"/>
+                <p14:modId xmlns:p14="http://schemas.microsoft.com/office/powerpoint/2010/main" val="945634023"/>
               </p:ext>
             </p:extLst>
           </p:nvPr>
@@ -13458,7 +13476,7 @@
                             <a:schemeClr val="tx1"/>
                           </a:solidFill>
                         </a:rPr>
-                        <a:t>DocBasesIndex</a:t>
+                        <a:t>NumDocsIndex</a:t>
                       </a:r>
                       <a:endParaRPr lang="zh-CN" altLang="en-US" sz="1200" b="0" i="0" dirty="0">
                         <a:solidFill>
@@ -13521,7 +13539,7 @@
                             <a:schemeClr val="tx1"/>
                           </a:solidFill>
                         </a:rPr>
-                        <a:t>DocBasesMeta</a:t>
+                        <a:t>NumDocsMeta</a:t>
                       </a:r>
                       <a:endParaRPr lang="zh-CN" altLang="en-US" sz="1200" b="0" i="0" dirty="0">
                         <a:solidFill>
@@ -13868,7 +13886,7 @@
           <p:nvPr>
             <p:extLst>
               <p:ext uri="{D42A27DB-BD31-4B8C-83A1-F6EECF244321}">
-                <p14:modId xmlns:p14="http://schemas.microsoft.com/office/powerpoint/2010/main" val="3746844125"/>
+                <p14:modId xmlns:p14="http://schemas.microsoft.com/office/powerpoint/2010/main" val="3540487763"/>
               </p:ext>
             </p:extLst>
           </p:nvPr>
@@ -13905,7 +13923,7 @@
                             <a:schemeClr val="tx1"/>
                           </a:solidFill>
                         </a:rPr>
-                        <a:t>DocBasesMeta</a:t>
+                        <a:t>NumDocsMeta</a:t>
                       </a:r>
                       <a:endParaRPr lang="zh-CN" altLang="en-US" sz="1200" b="0" i="0" dirty="0">
                         <a:solidFill>
@@ -13984,7 +14002,7 @@
           <p:nvPr>
             <p:extLst>
               <p:ext uri="{D42A27DB-BD31-4B8C-83A1-F6EECF244321}">
-                <p14:modId xmlns:p14="http://schemas.microsoft.com/office/powerpoint/2010/main" val="473526434"/>
+                <p14:modId xmlns:p14="http://schemas.microsoft.com/office/powerpoint/2010/main" val="879405691"/>
               </p:ext>
             </p:extLst>
           </p:nvPr>
@@ -14028,7 +14046,7 @@
                             <a:schemeClr val="tx1"/>
                           </a:solidFill>
                         </a:rPr>
-                        <a:t>DocBaseMeta</a:t>
+                        <a:t>NumDocMeta</a:t>
                       </a:r>
                       <a:endParaRPr lang="zh-CN" altLang="en-US" sz="1200" b="0" i="0" dirty="0">
                         <a:solidFill>
@@ -14094,7 +14112,7 @@
                             <a:schemeClr val="tx1"/>
                           </a:solidFill>
                         </a:rPr>
-                        <a:t>DocBaseMeta</a:t>
+                        <a:t>NumDocMeta</a:t>
                       </a:r>
                       <a:endParaRPr lang="zh-CN" altLang="en-US" sz="1200" b="0" i="0" dirty="0">
                         <a:solidFill>
@@ -14173,7 +14191,7 @@
           <p:nvPr>
             <p:extLst>
               <p:ext uri="{D42A27DB-BD31-4B8C-83A1-F6EECF244321}">
-                <p14:modId xmlns:p14="http://schemas.microsoft.com/office/powerpoint/2010/main" val="4139499771"/>
+                <p14:modId xmlns:p14="http://schemas.microsoft.com/office/powerpoint/2010/main" val="1366894827"/>
               </p:ext>
             </p:extLst>
           </p:nvPr>
@@ -14210,7 +14228,7 @@
                             <a:schemeClr val="tx1"/>
                           </a:solidFill>
                         </a:rPr>
-                        <a:t>DocBasesMeta</a:t>
+                        <a:t>NumDocMeta</a:t>
                       </a:r>
                       <a:endParaRPr lang="zh-CN" altLang="en-US" sz="1200" b="0" i="0" dirty="0">
                         <a:solidFill>
@@ -15824,7 +15842,7 @@
           <p:nvPr>
             <p:extLst>
               <p:ext uri="{D42A27DB-BD31-4B8C-83A1-F6EECF244321}">
-                <p14:modId xmlns:p14="http://schemas.microsoft.com/office/powerpoint/2010/main" val="1802657826"/>
+                <p14:modId xmlns:p14="http://schemas.microsoft.com/office/powerpoint/2010/main" val="623006679"/>
               </p:ext>
             </p:extLst>
           </p:nvPr>
@@ -16191,7 +16209,7 @@
                             <a:schemeClr val="tx1"/>
                           </a:solidFill>
                         </a:rPr>
-                        <a:t>DocBasesIndex</a:t>
+                        <a:t>NumDocsIndex</a:t>
                       </a:r>
                       <a:endParaRPr lang="zh-CN" altLang="en-US" sz="1200" b="0" i="0" dirty="0">
                         <a:solidFill>
@@ -16254,7 +16272,7 @@
                             <a:schemeClr val="tx1"/>
                           </a:solidFill>
                         </a:rPr>
-                        <a:t>DocBasesMeta</a:t>
+                        <a:t>NumDocsMeta</a:t>
                       </a:r>
                       <a:endParaRPr lang="zh-CN" altLang="en-US" sz="1200" b="0" i="0" dirty="0">
                         <a:solidFill>
@@ -16556,355 +16574,6 @@
           </a:p>
         </p:txBody>
       </p:sp>
-      <p:graphicFrame>
-        <p:nvGraphicFramePr>
-          <p:cNvPr id="16" name="表格 15">
-            <a:extLst>
-              <a:ext uri="{FF2B5EF4-FFF2-40B4-BE49-F238E27FC236}">
-                <a16:creationId xmlns:a16="http://schemas.microsoft.com/office/drawing/2014/main" id="{F8978FF5-1162-C041-8195-A24DD043FE2B}"/>
-              </a:ext>
-            </a:extLst>
-          </p:cNvPr>
-          <p:cNvGraphicFramePr>
-            <a:graphicFrameLocks noGrp="1"/>
-          </p:cNvGraphicFramePr>
-          <p:nvPr>
-            <p:extLst>
-              <p:ext uri="{D42A27DB-BD31-4B8C-83A1-F6EECF244321}">
-                <p14:modId xmlns:p14="http://schemas.microsoft.com/office/powerpoint/2010/main" val="58192354"/>
-              </p:ext>
-            </p:extLst>
-          </p:nvPr>
-        </p:nvGraphicFramePr>
-        <p:xfrm>
-          <a:off x="2546341" y="2635100"/>
-          <a:ext cx="2500842" cy="370840"/>
-        </p:xfrm>
-        <a:graphic>
-          <a:graphicData uri="http://schemas.openxmlformats.org/drawingml/2006/table">
-            <a:tbl>
-              <a:tblPr firstRow="1" bandRow="1">
-                <a:tableStyleId>{5C22544A-7EE6-4342-B048-85BDC9FD1C3A}</a:tableStyleId>
-              </a:tblPr>
-              <a:tblGrid>
-                <a:gridCol w="1250421">
-                  <a:extLst>
-                    <a:ext uri="{9D8B030D-6E8A-4147-A177-3AD203B41FA5}">
-                      <a16:colId xmlns:a16="http://schemas.microsoft.com/office/drawing/2014/main" val="3113886429"/>
-                    </a:ext>
-                  </a:extLst>
-                </a:gridCol>
-                <a:gridCol w="1250421">
-                  <a:extLst>
-                    <a:ext uri="{9D8B030D-6E8A-4147-A177-3AD203B41FA5}">
-                      <a16:colId xmlns:a16="http://schemas.microsoft.com/office/drawing/2014/main" val="450012190"/>
-                    </a:ext>
-                  </a:extLst>
-                </a:gridCol>
-              </a:tblGrid>
-              <a:tr h="370840">
-                <a:tc>
-                  <a:txBody>
-                    <a:bodyPr/>
-                    <a:lstStyle/>
-                    <a:p>
-                      <a:pPr algn="ctr"/>
-                      <a:r>
-                        <a:rPr lang="en-US" altLang="zh-CN" sz="1200" b="1" i="0" dirty="0">
-                          <a:solidFill>
-                            <a:schemeClr val="tx1"/>
-                          </a:solidFill>
-                        </a:rPr>
-                        <a:t>DocBaseMeta</a:t>
-                      </a:r>
-                      <a:endParaRPr lang="zh-CN" altLang="en-US" sz="1200" b="0" i="0" dirty="0">
-                        <a:solidFill>
-                          <a:schemeClr val="tx1"/>
-                        </a:solidFill>
-                      </a:endParaRPr>
-                    </a:p>
-                  </a:txBody>
-                  <a:tcPr anchor="ctr">
-                    <a:lnL w="12700" cap="flat" cmpd="sng" algn="ctr">
-                      <a:solidFill>
-                        <a:schemeClr val="tx1"/>
-                      </a:solidFill>
-                      <a:prstDash val="solid"/>
-                      <a:round/>
-                      <a:headEnd type="none" w="med" len="med"/>
-                      <a:tailEnd type="none" w="med" len="med"/>
-                    </a:lnL>
-                    <a:lnR w="12700" cap="flat" cmpd="sng" algn="ctr">
-                      <a:solidFill>
-                        <a:schemeClr val="tx1"/>
-                      </a:solidFill>
-                      <a:prstDash val="solid"/>
-                      <a:round/>
-                      <a:headEnd type="none" w="med" len="med"/>
-                      <a:tailEnd type="none" w="med" len="med"/>
-                    </a:lnR>
-                    <a:lnT w="12700" cap="flat" cmpd="sng" algn="ctr">
-                      <a:solidFill>
-                        <a:schemeClr val="tx1"/>
-                      </a:solidFill>
-                      <a:prstDash val="solid"/>
-                      <a:round/>
-                      <a:headEnd type="none" w="med" len="med"/>
-                      <a:tailEnd type="none" w="med" len="med"/>
-                    </a:lnT>
-                    <a:lnB w="12700" cap="flat" cmpd="sng" algn="ctr">
-                      <a:solidFill>
-                        <a:schemeClr val="tx1"/>
-                      </a:solidFill>
-                      <a:prstDash val="solid"/>
-                      <a:round/>
-                      <a:headEnd type="none" w="med" len="med"/>
-                      <a:tailEnd type="none" w="med" len="med"/>
-                    </a:lnB>
-                    <a:solidFill>
-                      <a:schemeClr val="tx1">
-                        <a:lumMod val="50000"/>
-                        <a:lumOff val="50000"/>
-                      </a:schemeClr>
-                    </a:solidFill>
-                  </a:tcPr>
-                </a:tc>
-                <a:tc>
-                  <a:txBody>
-                    <a:bodyPr/>
-                    <a:lstStyle/>
-                    <a:p>
-                      <a:pPr algn="ctr"/>
-                      <a:r>
-                        <a:rPr lang="en-US" altLang="zh-CN" sz="1200" b="1" i="0" dirty="0">
-                          <a:solidFill>
-                            <a:schemeClr val="tx1"/>
-                          </a:solidFill>
-                        </a:rPr>
-                        <a:t>DocBaseMeta</a:t>
-                      </a:r>
-                      <a:endParaRPr lang="zh-CN" altLang="en-US" sz="1200" b="0" i="0" dirty="0">
-                        <a:solidFill>
-                          <a:schemeClr val="tx1"/>
-                        </a:solidFill>
-                      </a:endParaRPr>
-                    </a:p>
-                  </a:txBody>
-                  <a:tcPr anchor="ctr">
-                    <a:lnL w="12700" cap="flat" cmpd="sng" algn="ctr">
-                      <a:solidFill>
-                        <a:schemeClr val="tx1"/>
-                      </a:solidFill>
-                      <a:prstDash val="solid"/>
-                      <a:round/>
-                      <a:headEnd type="none" w="med" len="med"/>
-                      <a:tailEnd type="none" w="med" len="med"/>
-                    </a:lnL>
-                    <a:lnR w="12700" cap="flat" cmpd="sng" algn="ctr">
-                      <a:solidFill>
-                        <a:schemeClr val="tx1"/>
-                      </a:solidFill>
-                      <a:prstDash val="solid"/>
-                      <a:round/>
-                      <a:headEnd type="none" w="med" len="med"/>
-                      <a:tailEnd type="none" w="med" len="med"/>
-                    </a:lnR>
-                    <a:lnT w="12700" cap="flat" cmpd="sng" algn="ctr">
-                      <a:solidFill>
-                        <a:schemeClr val="tx1"/>
-                      </a:solidFill>
-                      <a:prstDash val="solid"/>
-                      <a:round/>
-                      <a:headEnd type="none" w="med" len="med"/>
-                      <a:tailEnd type="none" w="med" len="med"/>
-                    </a:lnT>
-                    <a:lnB w="12700" cap="flat" cmpd="sng" algn="ctr">
-                      <a:solidFill>
-                        <a:schemeClr val="tx1"/>
-                      </a:solidFill>
-                      <a:prstDash val="solid"/>
-                      <a:round/>
-                      <a:headEnd type="none" w="med" len="med"/>
-                      <a:tailEnd type="none" w="med" len="med"/>
-                    </a:lnB>
-                    <a:solidFill>
-                      <a:schemeClr val="tx1">
-                        <a:lumMod val="50000"/>
-                        <a:lumOff val="50000"/>
-                      </a:schemeClr>
-                    </a:solidFill>
-                  </a:tcPr>
-                </a:tc>
-                <a:extLst>
-                  <a:ext uri="{0D108BD9-81ED-4DB2-BD59-A6C34878D82A}">
-                    <a16:rowId xmlns:a16="http://schemas.microsoft.com/office/drawing/2014/main" val="1027363210"/>
-                  </a:ext>
-                </a:extLst>
-              </a:tr>
-            </a:tbl>
-          </a:graphicData>
-        </a:graphic>
-      </p:graphicFrame>
-      <p:graphicFrame>
-        <p:nvGraphicFramePr>
-          <p:cNvPr id="17" name="表格 16">
-            <a:extLst>
-              <a:ext uri="{FF2B5EF4-FFF2-40B4-BE49-F238E27FC236}">
-                <a16:creationId xmlns:a16="http://schemas.microsoft.com/office/drawing/2014/main" id="{64D0FF27-C38A-1F41-B65D-75427789B984}"/>
-              </a:ext>
-            </a:extLst>
-          </p:cNvPr>
-          <p:cNvGraphicFramePr>
-            <a:graphicFrameLocks noGrp="1"/>
-          </p:cNvGraphicFramePr>
-          <p:nvPr>
-            <p:extLst>
-              <p:ext uri="{D42A27DB-BD31-4B8C-83A1-F6EECF244321}">
-                <p14:modId xmlns:p14="http://schemas.microsoft.com/office/powerpoint/2010/main" val="4291432342"/>
-              </p:ext>
-            </p:extLst>
-          </p:nvPr>
-        </p:nvGraphicFramePr>
-        <p:xfrm>
-          <a:off x="5618173" y="2635100"/>
-          <a:ext cx="1341892" cy="370840"/>
-        </p:xfrm>
-        <a:graphic>
-          <a:graphicData uri="http://schemas.openxmlformats.org/drawingml/2006/table">
-            <a:tbl>
-              <a:tblPr firstRow="1" bandRow="1">
-                <a:tableStyleId>{5C22544A-7EE6-4342-B048-85BDC9FD1C3A}</a:tableStyleId>
-              </a:tblPr>
-              <a:tblGrid>
-                <a:gridCol w="1341892">
-                  <a:extLst>
-                    <a:ext uri="{9D8B030D-6E8A-4147-A177-3AD203B41FA5}">
-                      <a16:colId xmlns:a16="http://schemas.microsoft.com/office/drawing/2014/main" val="3113886429"/>
-                    </a:ext>
-                  </a:extLst>
-                </a:gridCol>
-              </a:tblGrid>
-              <a:tr h="370840">
-                <a:tc>
-                  <a:txBody>
-                    <a:bodyPr/>
-                    <a:lstStyle/>
-                    <a:p>
-                      <a:pPr algn="ctr"/>
-                      <a:r>
-                        <a:rPr lang="en-US" altLang="zh-CN" sz="1200" b="1" i="0" dirty="0">
-                          <a:solidFill>
-                            <a:schemeClr val="tx1"/>
-                          </a:solidFill>
-                        </a:rPr>
-                        <a:t>DocBasesMeta</a:t>
-                      </a:r>
-                      <a:endParaRPr lang="zh-CN" altLang="en-US" sz="1200" b="0" i="0" dirty="0">
-                        <a:solidFill>
-                          <a:schemeClr val="tx1"/>
-                        </a:solidFill>
-                      </a:endParaRPr>
-                    </a:p>
-                  </a:txBody>
-                  <a:tcPr anchor="ctr">
-                    <a:lnL w="12700" cap="flat" cmpd="sng" algn="ctr">
-                      <a:solidFill>
-                        <a:schemeClr val="tx1"/>
-                      </a:solidFill>
-                      <a:prstDash val="solid"/>
-                      <a:round/>
-                      <a:headEnd type="none" w="med" len="med"/>
-                      <a:tailEnd type="none" w="med" len="med"/>
-                    </a:lnL>
-                    <a:lnR w="12700" cap="flat" cmpd="sng" algn="ctr">
-                      <a:solidFill>
-                        <a:schemeClr val="tx1"/>
-                      </a:solidFill>
-                      <a:prstDash val="solid"/>
-                      <a:round/>
-                      <a:headEnd type="none" w="med" len="med"/>
-                      <a:tailEnd type="none" w="med" len="med"/>
-                    </a:lnR>
-                    <a:lnT w="12700" cap="flat" cmpd="sng" algn="ctr">
-                      <a:solidFill>
-                        <a:schemeClr val="tx1"/>
-                      </a:solidFill>
-                      <a:prstDash val="solid"/>
-                      <a:round/>
-                      <a:headEnd type="none" w="med" len="med"/>
-                      <a:tailEnd type="none" w="med" len="med"/>
-                    </a:lnT>
-                    <a:lnB w="12700" cap="flat" cmpd="sng" algn="ctr">
-                      <a:solidFill>
-                        <a:schemeClr val="tx1"/>
-                      </a:solidFill>
-                      <a:prstDash val="solid"/>
-                      <a:round/>
-                      <a:headEnd type="none" w="med" len="med"/>
-                      <a:tailEnd type="none" w="med" len="med"/>
-                    </a:lnB>
-                    <a:solidFill>
-                      <a:schemeClr val="tx1">
-                        <a:lumMod val="50000"/>
-                        <a:lumOff val="50000"/>
-                      </a:schemeClr>
-                    </a:solidFill>
-                  </a:tcPr>
-                </a:tc>
-                <a:extLst>
-                  <a:ext uri="{0D108BD9-81ED-4DB2-BD59-A6C34878D82A}">
-                    <a16:rowId xmlns:a16="http://schemas.microsoft.com/office/drawing/2014/main" val="1027363210"/>
-                  </a:ext>
-                </a:extLst>
-              </a:tr>
-            </a:tbl>
-          </a:graphicData>
-        </a:graphic>
-      </p:graphicFrame>
-      <p:sp>
-        <p:nvSpPr>
-          <p:cNvPr id="18" name="文本框 17">
-            <a:extLst>
-              <a:ext uri="{FF2B5EF4-FFF2-40B4-BE49-F238E27FC236}">
-                <a16:creationId xmlns:a16="http://schemas.microsoft.com/office/drawing/2014/main" id="{6415A3B0-CEA9-1244-B843-E2D730649D5A}"/>
-              </a:ext>
-            </a:extLst>
-          </p:cNvPr>
-          <p:cNvSpPr txBox="1"/>
-          <p:nvPr/>
-        </p:nvSpPr>
-        <p:spPr>
-          <a:xfrm>
-            <a:off x="5047183" y="2636608"/>
-            <a:ext cx="570990" cy="369332"/>
-          </a:xfrm>
-          <a:prstGeom prst="rect">
-            <a:avLst/>
-          </a:prstGeom>
-          <a:noFill/>
-        </p:spPr>
-        <p:txBody>
-          <a:bodyPr wrap="none" rtlCol="0">
-            <a:spAutoFit/>
-          </a:bodyPr>
-          <a:lstStyle/>
-          <a:p>
-            <a:r>
-              <a:rPr kumimoji="1" lang="en-US" altLang="zh-CN" dirty="0"/>
-              <a:t>…</a:t>
-            </a:r>
-            <a:r>
-              <a:rPr kumimoji="1" lang="zh-CN" altLang="en-US" dirty="0"/>
-              <a:t> </a:t>
-            </a:r>
-            <a:r>
-              <a:rPr kumimoji="1" lang="en-US" altLang="zh-CN" dirty="0"/>
-              <a:t>…</a:t>
-            </a:r>
-            <a:endParaRPr kumimoji="1" lang="zh-CN" altLang="en-US" dirty="0"/>
-          </a:p>
-        </p:txBody>
-      </p:sp>
       <p:cxnSp>
         <p:nvCxnSpPr>
           <p:cNvPr id="19" name="直线连接符 18">
@@ -16962,405 +16631,6 @@
           <a:xfrm flipH="1">
             <a:off x="6960065" y="1836361"/>
             <a:ext cx="301972" cy="798739"/>
-          </a:xfrm>
-          <a:prstGeom prst="line">
-            <a:avLst/>
-          </a:prstGeom>
-        </p:spPr>
-        <p:style>
-          <a:lnRef idx="1">
-            <a:schemeClr val="accent1"/>
-          </a:lnRef>
-          <a:fillRef idx="0">
-            <a:schemeClr val="accent1"/>
-          </a:fillRef>
-          <a:effectRef idx="0">
-            <a:schemeClr val="accent1"/>
-          </a:effectRef>
-          <a:fontRef idx="minor">
-            <a:schemeClr val="tx1"/>
-          </a:fontRef>
-        </p:style>
-      </p:cxnSp>
-      <p:graphicFrame>
-        <p:nvGraphicFramePr>
-          <p:cNvPr id="21" name="表格 20">
-            <a:extLst>
-              <a:ext uri="{FF2B5EF4-FFF2-40B4-BE49-F238E27FC236}">
-                <a16:creationId xmlns:a16="http://schemas.microsoft.com/office/drawing/2014/main" id="{F70F39E1-FB9D-1943-B114-7C9304D51B86}"/>
-              </a:ext>
-            </a:extLst>
-          </p:cNvPr>
-          <p:cNvGraphicFramePr>
-            <a:graphicFrameLocks noGrp="1"/>
-          </p:cNvGraphicFramePr>
-          <p:nvPr>
-            <p:extLst>
-              <p:ext uri="{D42A27DB-BD31-4B8C-83A1-F6EECF244321}">
-                <p14:modId xmlns:p14="http://schemas.microsoft.com/office/powerpoint/2010/main" val="4083772487"/>
-              </p:ext>
-            </p:extLst>
-          </p:nvPr>
-        </p:nvGraphicFramePr>
-        <p:xfrm>
-          <a:off x="2193071" y="3673549"/>
-          <a:ext cx="4154484" cy="370840"/>
-        </p:xfrm>
-        <a:graphic>
-          <a:graphicData uri="http://schemas.openxmlformats.org/drawingml/2006/table">
-            <a:tbl>
-              <a:tblPr firstRow="1" bandRow="1">
-                <a:tableStyleId>{5C22544A-7EE6-4342-B048-85BDC9FD1C3A}</a:tableStyleId>
-              </a:tblPr>
-              <a:tblGrid>
-                <a:gridCol w="1038621">
-                  <a:extLst>
-                    <a:ext uri="{9D8B030D-6E8A-4147-A177-3AD203B41FA5}">
-                      <a16:colId xmlns:a16="http://schemas.microsoft.com/office/drawing/2014/main" val="3113886429"/>
-                    </a:ext>
-                  </a:extLst>
-                </a:gridCol>
-                <a:gridCol w="1038621">
-                  <a:extLst>
-                    <a:ext uri="{9D8B030D-6E8A-4147-A177-3AD203B41FA5}">
-                      <a16:colId xmlns:a16="http://schemas.microsoft.com/office/drawing/2014/main" val="1588706141"/>
-                    </a:ext>
-                  </a:extLst>
-                </a:gridCol>
-                <a:gridCol w="1038621">
-                  <a:extLst>
-                    <a:ext uri="{9D8B030D-6E8A-4147-A177-3AD203B41FA5}">
-                      <a16:colId xmlns:a16="http://schemas.microsoft.com/office/drawing/2014/main" val="3593745699"/>
-                    </a:ext>
-                  </a:extLst>
-                </a:gridCol>
-                <a:gridCol w="1038621">
-                  <a:extLst>
-                    <a:ext uri="{9D8B030D-6E8A-4147-A177-3AD203B41FA5}">
-                      <a16:colId xmlns:a16="http://schemas.microsoft.com/office/drawing/2014/main" val="3516075340"/>
-                    </a:ext>
-                  </a:extLst>
-                </a:gridCol>
-              </a:tblGrid>
-              <a:tr h="370840">
-                <a:tc>
-                  <a:txBody>
-                    <a:bodyPr/>
-                    <a:lstStyle/>
-                    <a:p>
-                      <a:pPr algn="ctr"/>
-                      <a:r>
-                        <a:rPr lang="en-US" altLang="zh-CN" sz="1200" b="1" i="0" dirty="0">
-                          <a:solidFill>
-                            <a:schemeClr val="tx1"/>
-                          </a:solidFill>
-                        </a:rPr>
-                        <a:t>Min</a:t>
-                      </a:r>
-                      <a:endParaRPr lang="zh-CN" altLang="en-US" sz="1200" b="0" i="0" dirty="0">
-                        <a:solidFill>
-                          <a:schemeClr val="tx1"/>
-                        </a:solidFill>
-                      </a:endParaRPr>
-                    </a:p>
-                  </a:txBody>
-                  <a:tcPr anchor="ctr">
-                    <a:lnL w="12700" cap="flat" cmpd="sng" algn="ctr">
-                      <a:solidFill>
-                        <a:schemeClr val="tx1"/>
-                      </a:solidFill>
-                      <a:prstDash val="solid"/>
-                      <a:round/>
-                      <a:headEnd type="none" w="med" len="med"/>
-                      <a:tailEnd type="none" w="med" len="med"/>
-                    </a:lnL>
-                    <a:lnR w="12700" cap="flat" cmpd="sng" algn="ctr">
-                      <a:solidFill>
-                        <a:schemeClr val="tx1"/>
-                      </a:solidFill>
-                      <a:prstDash val="solid"/>
-                      <a:round/>
-                      <a:headEnd type="none" w="med" len="med"/>
-                      <a:tailEnd type="none" w="med" len="med"/>
-                    </a:lnR>
-                    <a:lnT w="12700" cap="flat" cmpd="sng" algn="ctr">
-                      <a:solidFill>
-                        <a:schemeClr val="tx1"/>
-                      </a:solidFill>
-                      <a:prstDash val="solid"/>
-                      <a:round/>
-                      <a:headEnd type="none" w="med" len="med"/>
-                      <a:tailEnd type="none" w="med" len="med"/>
-                    </a:lnT>
-                    <a:lnB w="12700" cap="flat" cmpd="sng" algn="ctr">
-                      <a:solidFill>
-                        <a:schemeClr val="tx1"/>
-                      </a:solidFill>
-                      <a:prstDash val="solid"/>
-                      <a:round/>
-                      <a:headEnd type="none" w="med" len="med"/>
-                      <a:tailEnd type="none" w="med" len="med"/>
-                    </a:lnB>
-                    <a:solidFill>
-                      <a:schemeClr val="bg1"/>
-                    </a:solidFill>
-                  </a:tcPr>
-                </a:tc>
-                <a:tc>
-                  <a:txBody>
-                    <a:bodyPr/>
-                    <a:lstStyle/>
-                    <a:p>
-                      <a:pPr algn="ctr"/>
-                      <a:r>
-                        <a:rPr lang="en-US" altLang="zh-CN" sz="1200" b="1" i="0" dirty="0">
-                          <a:solidFill>
-                            <a:schemeClr val="tx1"/>
-                          </a:solidFill>
-                        </a:rPr>
-                        <a:t>AvgInc</a:t>
-                      </a:r>
-                      <a:endParaRPr lang="zh-CN" altLang="en-US" sz="1200" b="1" i="0" dirty="0">
-                        <a:solidFill>
-                          <a:schemeClr val="tx1"/>
-                        </a:solidFill>
-                      </a:endParaRPr>
-                    </a:p>
-                  </a:txBody>
-                  <a:tcPr anchor="ctr">
-                    <a:lnL w="12700" cap="flat" cmpd="sng" algn="ctr">
-                      <a:solidFill>
-                        <a:schemeClr val="tx1"/>
-                      </a:solidFill>
-                      <a:prstDash val="solid"/>
-                      <a:round/>
-                      <a:headEnd type="none" w="med" len="med"/>
-                      <a:tailEnd type="none" w="med" len="med"/>
-                    </a:lnL>
-                    <a:lnR w="12700" cap="flat" cmpd="sng" algn="ctr">
-                      <a:solidFill>
-                        <a:schemeClr val="tx1"/>
-                      </a:solidFill>
-                      <a:prstDash val="solid"/>
-                      <a:round/>
-                      <a:headEnd type="none" w="med" len="med"/>
-                      <a:tailEnd type="none" w="med" len="med"/>
-                    </a:lnR>
-                    <a:lnT w="12700" cap="flat" cmpd="sng" algn="ctr">
-                      <a:solidFill>
-                        <a:schemeClr val="tx1"/>
-                      </a:solidFill>
-                      <a:prstDash val="solid"/>
-                      <a:round/>
-                      <a:headEnd type="none" w="med" len="med"/>
-                      <a:tailEnd type="none" w="med" len="med"/>
-                    </a:lnT>
-                    <a:lnB w="12700" cap="flat" cmpd="sng" algn="ctr">
-                      <a:solidFill>
-                        <a:schemeClr val="tx1"/>
-                      </a:solidFill>
-                      <a:prstDash val="solid"/>
-                      <a:round/>
-                      <a:headEnd type="none" w="med" len="med"/>
-                      <a:tailEnd type="none" w="med" len="med"/>
-                    </a:lnB>
-                    <a:solidFill>
-                      <a:schemeClr val="bg1"/>
-                    </a:solidFill>
-                  </a:tcPr>
-                </a:tc>
-                <a:tc>
-                  <a:txBody>
-                    <a:bodyPr/>
-                    <a:lstStyle/>
-                    <a:p>
-                      <a:pPr algn="ctr"/>
-                      <a:r>
-                        <a:rPr lang="en-US" altLang="zh-CN" sz="1200" b="1" i="0" dirty="0">
-                          <a:solidFill>
-                            <a:schemeClr val="tx1"/>
-                          </a:solidFill>
-                        </a:rPr>
-                        <a:t>Length</a:t>
-                      </a:r>
-                      <a:endParaRPr lang="zh-CN" altLang="en-US" sz="1200" b="1" i="0" dirty="0">
-                        <a:solidFill>
-                          <a:schemeClr val="tx1"/>
-                        </a:solidFill>
-                      </a:endParaRPr>
-                    </a:p>
-                  </a:txBody>
-                  <a:tcPr anchor="ctr">
-                    <a:lnL w="12700" cap="flat" cmpd="sng" algn="ctr">
-                      <a:solidFill>
-                        <a:schemeClr val="tx1"/>
-                      </a:solidFill>
-                      <a:prstDash val="solid"/>
-                      <a:round/>
-                      <a:headEnd type="none" w="med" len="med"/>
-                      <a:tailEnd type="none" w="med" len="med"/>
-                    </a:lnL>
-                    <a:lnR w="12700" cap="flat" cmpd="sng" algn="ctr">
-                      <a:solidFill>
-                        <a:schemeClr val="tx1"/>
-                      </a:solidFill>
-                      <a:prstDash val="solid"/>
-                      <a:round/>
-                      <a:headEnd type="none" w="med" len="med"/>
-                      <a:tailEnd type="none" w="med" len="med"/>
-                    </a:lnR>
-                    <a:lnT w="12700" cap="flat" cmpd="sng" algn="ctr">
-                      <a:solidFill>
-                        <a:schemeClr val="tx1"/>
-                      </a:solidFill>
-                      <a:prstDash val="solid"/>
-                      <a:round/>
-                      <a:headEnd type="none" w="med" len="med"/>
-                      <a:tailEnd type="none" w="med" len="med"/>
-                    </a:lnT>
-                    <a:lnB w="12700" cap="flat" cmpd="sng" algn="ctr">
-                      <a:solidFill>
-                        <a:schemeClr val="tx1"/>
-                      </a:solidFill>
-                      <a:prstDash val="solid"/>
-                      <a:round/>
-                      <a:headEnd type="none" w="med" len="med"/>
-                      <a:tailEnd type="none" w="med" len="med"/>
-                    </a:lnB>
-                    <a:solidFill>
-                      <a:schemeClr val="bg1"/>
-                    </a:solidFill>
-                  </a:tcPr>
-                </a:tc>
-                <a:tc>
-                  <a:txBody>
-                    <a:bodyPr/>
-                    <a:lstStyle/>
-                    <a:p>
-                      <a:pPr algn="ctr"/>
-                      <a:r>
-                        <a:rPr lang="en-US" altLang="zh-CN" sz="1200" b="1" i="0" dirty="0">
-                          <a:solidFill>
-                            <a:schemeClr val="tx1"/>
-                          </a:solidFill>
-                        </a:rPr>
-                        <a:t>BitRequired</a:t>
-                      </a:r>
-                      <a:endParaRPr lang="zh-CN" altLang="en-US" sz="1200" b="1" i="0" dirty="0">
-                        <a:solidFill>
-                          <a:schemeClr val="tx1"/>
-                        </a:solidFill>
-                      </a:endParaRPr>
-                    </a:p>
-                  </a:txBody>
-                  <a:tcPr anchor="ctr">
-                    <a:lnL w="12700" cap="flat" cmpd="sng" algn="ctr">
-                      <a:solidFill>
-                        <a:schemeClr val="tx1"/>
-                      </a:solidFill>
-                      <a:prstDash val="solid"/>
-                      <a:round/>
-                      <a:headEnd type="none" w="med" len="med"/>
-                      <a:tailEnd type="none" w="med" len="med"/>
-                    </a:lnL>
-                    <a:lnR w="12700" cap="flat" cmpd="sng" algn="ctr">
-                      <a:solidFill>
-                        <a:schemeClr val="tx1"/>
-                      </a:solidFill>
-                      <a:prstDash val="solid"/>
-                      <a:round/>
-                      <a:headEnd type="none" w="med" len="med"/>
-                      <a:tailEnd type="none" w="med" len="med"/>
-                    </a:lnR>
-                    <a:lnT w="12700" cap="flat" cmpd="sng" algn="ctr">
-                      <a:solidFill>
-                        <a:schemeClr val="tx1"/>
-                      </a:solidFill>
-                      <a:prstDash val="solid"/>
-                      <a:round/>
-                      <a:headEnd type="none" w="med" len="med"/>
-                      <a:tailEnd type="none" w="med" len="med"/>
-                    </a:lnT>
-                    <a:lnB w="12700" cap="flat" cmpd="sng" algn="ctr">
-                      <a:solidFill>
-                        <a:schemeClr val="tx1"/>
-                      </a:solidFill>
-                      <a:prstDash val="solid"/>
-                      <a:round/>
-                      <a:headEnd type="none" w="med" len="med"/>
-                      <a:tailEnd type="none" w="med" len="med"/>
-                    </a:lnB>
-                    <a:solidFill>
-                      <a:schemeClr val="bg1"/>
-                    </a:solidFill>
-                  </a:tcPr>
-                </a:tc>
-                <a:extLst>
-                  <a:ext uri="{0D108BD9-81ED-4DB2-BD59-A6C34878D82A}">
-                    <a16:rowId xmlns:a16="http://schemas.microsoft.com/office/drawing/2014/main" val="1027363210"/>
-                  </a:ext>
-                </a:extLst>
-              </a:tr>
-            </a:tbl>
-          </a:graphicData>
-        </a:graphic>
-      </p:graphicFrame>
-      <p:cxnSp>
-        <p:nvCxnSpPr>
-          <p:cNvPr id="22" name="直线连接符 21">
-            <a:extLst>
-              <a:ext uri="{FF2B5EF4-FFF2-40B4-BE49-F238E27FC236}">
-                <a16:creationId xmlns:a16="http://schemas.microsoft.com/office/drawing/2014/main" id="{EF20101A-B78C-5443-AC31-F6A49CD3E7FF}"/>
-              </a:ext>
-            </a:extLst>
-          </p:cNvPr>
-          <p:cNvCxnSpPr>
-            <a:cxnSpLocks/>
-          </p:cNvCxnSpPr>
-          <p:nvPr/>
-        </p:nvCxnSpPr>
-        <p:spPr>
-          <a:xfrm flipH="1">
-            <a:off x="2193071" y="3020119"/>
-            <a:ext cx="1603691" cy="653430"/>
-          </a:xfrm>
-          <a:prstGeom prst="line">
-            <a:avLst/>
-          </a:prstGeom>
-        </p:spPr>
-        <p:style>
-          <a:lnRef idx="1">
-            <a:schemeClr val="accent1"/>
-          </a:lnRef>
-          <a:fillRef idx="0">
-            <a:schemeClr val="accent1"/>
-          </a:fillRef>
-          <a:effectRef idx="0">
-            <a:schemeClr val="accent1"/>
-          </a:effectRef>
-          <a:fontRef idx="minor">
-            <a:schemeClr val="tx1"/>
-          </a:fontRef>
-        </p:style>
-      </p:cxnSp>
-      <p:cxnSp>
-        <p:nvCxnSpPr>
-          <p:cNvPr id="23" name="直线连接符 22">
-            <a:extLst>
-              <a:ext uri="{FF2B5EF4-FFF2-40B4-BE49-F238E27FC236}">
-                <a16:creationId xmlns:a16="http://schemas.microsoft.com/office/drawing/2014/main" id="{6C9088DF-2637-B142-815C-C844AD33D60E}"/>
-              </a:ext>
-            </a:extLst>
-          </p:cNvPr>
-          <p:cNvCxnSpPr>
-            <a:cxnSpLocks/>
-          </p:cNvCxnSpPr>
-          <p:nvPr/>
-        </p:nvCxnSpPr>
-        <p:spPr>
-          <a:xfrm>
-            <a:off x="5047183" y="3020119"/>
-            <a:ext cx="1300372" cy="639251"/>
           </a:xfrm>
           <a:prstGeom prst="line">
             <a:avLst/>
@@ -18196,6 +17466,754 @@
         <p:spPr>
           <a:xfrm>
             <a:off x="9898880" y="3020119"/>
+            <a:ext cx="1300372" cy="639251"/>
+          </a:xfrm>
+          <a:prstGeom prst="line">
+            <a:avLst/>
+          </a:prstGeom>
+        </p:spPr>
+        <p:style>
+          <a:lnRef idx="1">
+            <a:schemeClr val="accent1"/>
+          </a:lnRef>
+          <a:fillRef idx="0">
+            <a:schemeClr val="accent1"/>
+          </a:fillRef>
+          <a:effectRef idx="0">
+            <a:schemeClr val="accent1"/>
+          </a:effectRef>
+          <a:fontRef idx="minor">
+            <a:schemeClr val="tx1"/>
+          </a:fontRef>
+        </p:style>
+      </p:cxnSp>
+      <p:graphicFrame>
+        <p:nvGraphicFramePr>
+          <p:cNvPr id="24" name="表格 23">
+            <a:extLst>
+              <a:ext uri="{FF2B5EF4-FFF2-40B4-BE49-F238E27FC236}">
+                <a16:creationId xmlns:a16="http://schemas.microsoft.com/office/drawing/2014/main" id="{551B6925-5526-BC44-B905-0A07DDDE13C6}"/>
+              </a:ext>
+            </a:extLst>
+          </p:cNvPr>
+          <p:cNvGraphicFramePr>
+            <a:graphicFrameLocks noGrp="1"/>
+          </p:cNvGraphicFramePr>
+          <p:nvPr>
+            <p:extLst>
+              <p:ext uri="{D42A27DB-BD31-4B8C-83A1-F6EECF244321}">
+                <p14:modId xmlns:p14="http://schemas.microsoft.com/office/powerpoint/2010/main" val="668778738"/>
+              </p:ext>
+            </p:extLst>
+          </p:nvPr>
+        </p:nvGraphicFramePr>
+        <p:xfrm>
+          <a:off x="2546342" y="2647505"/>
+          <a:ext cx="2500842" cy="370840"/>
+        </p:xfrm>
+        <a:graphic>
+          <a:graphicData uri="http://schemas.openxmlformats.org/drawingml/2006/table">
+            <a:tbl>
+              <a:tblPr firstRow="1" bandRow="1">
+                <a:tableStyleId>{5C22544A-7EE6-4342-B048-85BDC9FD1C3A}</a:tableStyleId>
+              </a:tblPr>
+              <a:tblGrid>
+                <a:gridCol w="1250421">
+                  <a:extLst>
+                    <a:ext uri="{9D8B030D-6E8A-4147-A177-3AD203B41FA5}">
+                      <a16:colId xmlns:a16="http://schemas.microsoft.com/office/drawing/2014/main" val="3113886429"/>
+                    </a:ext>
+                  </a:extLst>
+                </a:gridCol>
+                <a:gridCol w="1250421">
+                  <a:extLst>
+                    <a:ext uri="{9D8B030D-6E8A-4147-A177-3AD203B41FA5}">
+                      <a16:colId xmlns:a16="http://schemas.microsoft.com/office/drawing/2014/main" val="450012190"/>
+                    </a:ext>
+                  </a:extLst>
+                </a:gridCol>
+              </a:tblGrid>
+              <a:tr h="370840">
+                <a:tc>
+                  <a:txBody>
+                    <a:bodyPr/>
+                    <a:lstStyle/>
+                    <a:p>
+                      <a:pPr algn="ctr"/>
+                      <a:r>
+                        <a:rPr lang="en-US" altLang="zh-CN" sz="1200" b="1" i="0" dirty="0">
+                          <a:solidFill>
+                            <a:schemeClr val="tx1"/>
+                          </a:solidFill>
+                        </a:rPr>
+                        <a:t>NumDocMeta</a:t>
+                      </a:r>
+                      <a:endParaRPr lang="zh-CN" altLang="en-US" sz="1200" b="0" i="0" dirty="0">
+                        <a:solidFill>
+                          <a:schemeClr val="tx1"/>
+                        </a:solidFill>
+                      </a:endParaRPr>
+                    </a:p>
+                  </a:txBody>
+                  <a:tcPr anchor="ctr">
+                    <a:lnL w="12700" cap="flat" cmpd="sng" algn="ctr">
+                      <a:solidFill>
+                        <a:schemeClr val="tx1"/>
+                      </a:solidFill>
+                      <a:prstDash val="solid"/>
+                      <a:round/>
+                      <a:headEnd type="none" w="med" len="med"/>
+                      <a:tailEnd type="none" w="med" len="med"/>
+                    </a:lnL>
+                    <a:lnR w="12700" cap="flat" cmpd="sng" algn="ctr">
+                      <a:solidFill>
+                        <a:schemeClr val="tx1"/>
+                      </a:solidFill>
+                      <a:prstDash val="solid"/>
+                      <a:round/>
+                      <a:headEnd type="none" w="med" len="med"/>
+                      <a:tailEnd type="none" w="med" len="med"/>
+                    </a:lnR>
+                    <a:lnT w="12700" cap="flat" cmpd="sng" algn="ctr">
+                      <a:solidFill>
+                        <a:schemeClr val="tx1"/>
+                      </a:solidFill>
+                      <a:prstDash val="solid"/>
+                      <a:round/>
+                      <a:headEnd type="none" w="med" len="med"/>
+                      <a:tailEnd type="none" w="med" len="med"/>
+                    </a:lnT>
+                    <a:lnB w="12700" cap="flat" cmpd="sng" algn="ctr">
+                      <a:solidFill>
+                        <a:schemeClr val="tx1"/>
+                      </a:solidFill>
+                      <a:prstDash val="solid"/>
+                      <a:round/>
+                      <a:headEnd type="none" w="med" len="med"/>
+                      <a:tailEnd type="none" w="med" len="med"/>
+                    </a:lnB>
+                    <a:solidFill>
+                      <a:schemeClr val="tx1">
+                        <a:lumMod val="50000"/>
+                        <a:lumOff val="50000"/>
+                      </a:schemeClr>
+                    </a:solidFill>
+                  </a:tcPr>
+                </a:tc>
+                <a:tc>
+                  <a:txBody>
+                    <a:bodyPr/>
+                    <a:lstStyle/>
+                    <a:p>
+                      <a:pPr algn="ctr"/>
+                      <a:r>
+                        <a:rPr lang="en-US" altLang="zh-CN" sz="1200" b="1" i="0" dirty="0">
+                          <a:solidFill>
+                            <a:schemeClr val="tx1"/>
+                          </a:solidFill>
+                        </a:rPr>
+                        <a:t>NumDocMeta</a:t>
+                      </a:r>
+                      <a:endParaRPr lang="zh-CN" altLang="en-US" sz="1200" b="0" i="0" dirty="0">
+                        <a:solidFill>
+                          <a:schemeClr val="tx1"/>
+                        </a:solidFill>
+                      </a:endParaRPr>
+                    </a:p>
+                  </a:txBody>
+                  <a:tcPr anchor="ctr">
+                    <a:lnL w="12700" cap="flat" cmpd="sng" algn="ctr">
+                      <a:solidFill>
+                        <a:schemeClr val="tx1"/>
+                      </a:solidFill>
+                      <a:prstDash val="solid"/>
+                      <a:round/>
+                      <a:headEnd type="none" w="med" len="med"/>
+                      <a:tailEnd type="none" w="med" len="med"/>
+                    </a:lnL>
+                    <a:lnR w="12700" cap="flat" cmpd="sng" algn="ctr">
+                      <a:solidFill>
+                        <a:schemeClr val="tx1"/>
+                      </a:solidFill>
+                      <a:prstDash val="solid"/>
+                      <a:round/>
+                      <a:headEnd type="none" w="med" len="med"/>
+                      <a:tailEnd type="none" w="med" len="med"/>
+                    </a:lnR>
+                    <a:lnT w="12700" cap="flat" cmpd="sng" algn="ctr">
+                      <a:solidFill>
+                        <a:schemeClr val="tx1"/>
+                      </a:solidFill>
+                      <a:prstDash val="solid"/>
+                      <a:round/>
+                      <a:headEnd type="none" w="med" len="med"/>
+                      <a:tailEnd type="none" w="med" len="med"/>
+                    </a:lnT>
+                    <a:lnB w="12700" cap="flat" cmpd="sng" algn="ctr">
+                      <a:solidFill>
+                        <a:schemeClr val="tx1"/>
+                      </a:solidFill>
+                      <a:prstDash val="solid"/>
+                      <a:round/>
+                      <a:headEnd type="none" w="med" len="med"/>
+                      <a:tailEnd type="none" w="med" len="med"/>
+                    </a:lnB>
+                    <a:solidFill>
+                      <a:schemeClr val="tx1">
+                        <a:lumMod val="50000"/>
+                        <a:lumOff val="50000"/>
+                      </a:schemeClr>
+                    </a:solidFill>
+                  </a:tcPr>
+                </a:tc>
+                <a:extLst>
+                  <a:ext uri="{0D108BD9-81ED-4DB2-BD59-A6C34878D82A}">
+                    <a16:rowId xmlns:a16="http://schemas.microsoft.com/office/drawing/2014/main" val="1027363210"/>
+                  </a:ext>
+                </a:extLst>
+              </a:tr>
+            </a:tbl>
+          </a:graphicData>
+        </a:graphic>
+      </p:graphicFrame>
+      <p:graphicFrame>
+        <p:nvGraphicFramePr>
+          <p:cNvPr id="25" name="表格 24">
+            <a:extLst>
+              <a:ext uri="{FF2B5EF4-FFF2-40B4-BE49-F238E27FC236}">
+                <a16:creationId xmlns:a16="http://schemas.microsoft.com/office/drawing/2014/main" id="{BA4485AC-4D36-5240-A2AD-BF736A9B39F6}"/>
+              </a:ext>
+            </a:extLst>
+          </p:cNvPr>
+          <p:cNvGraphicFramePr>
+            <a:graphicFrameLocks noGrp="1"/>
+          </p:cNvGraphicFramePr>
+          <p:nvPr>
+            <p:extLst>
+              <p:ext uri="{D42A27DB-BD31-4B8C-83A1-F6EECF244321}">
+                <p14:modId xmlns:p14="http://schemas.microsoft.com/office/powerpoint/2010/main" val="2295939699"/>
+              </p:ext>
+            </p:extLst>
+          </p:nvPr>
+        </p:nvGraphicFramePr>
+        <p:xfrm>
+          <a:off x="5618174" y="2647505"/>
+          <a:ext cx="1341892" cy="370840"/>
+        </p:xfrm>
+        <a:graphic>
+          <a:graphicData uri="http://schemas.openxmlformats.org/drawingml/2006/table">
+            <a:tbl>
+              <a:tblPr firstRow="1" bandRow="1">
+                <a:tableStyleId>{5C22544A-7EE6-4342-B048-85BDC9FD1C3A}</a:tableStyleId>
+              </a:tblPr>
+              <a:tblGrid>
+                <a:gridCol w="1341892">
+                  <a:extLst>
+                    <a:ext uri="{9D8B030D-6E8A-4147-A177-3AD203B41FA5}">
+                      <a16:colId xmlns:a16="http://schemas.microsoft.com/office/drawing/2014/main" val="3113886429"/>
+                    </a:ext>
+                  </a:extLst>
+                </a:gridCol>
+              </a:tblGrid>
+              <a:tr h="370840">
+                <a:tc>
+                  <a:txBody>
+                    <a:bodyPr/>
+                    <a:lstStyle/>
+                    <a:p>
+                      <a:pPr algn="ctr"/>
+                      <a:r>
+                        <a:rPr lang="en-US" altLang="zh-CN" sz="1200" b="1" i="0" dirty="0">
+                          <a:solidFill>
+                            <a:schemeClr val="tx1"/>
+                          </a:solidFill>
+                        </a:rPr>
+                        <a:t>NumDocMeta</a:t>
+                      </a:r>
+                      <a:endParaRPr lang="zh-CN" altLang="en-US" sz="1200" b="0" i="0" dirty="0">
+                        <a:solidFill>
+                          <a:schemeClr val="tx1"/>
+                        </a:solidFill>
+                      </a:endParaRPr>
+                    </a:p>
+                  </a:txBody>
+                  <a:tcPr anchor="ctr">
+                    <a:lnL w="12700" cap="flat" cmpd="sng" algn="ctr">
+                      <a:solidFill>
+                        <a:schemeClr val="tx1"/>
+                      </a:solidFill>
+                      <a:prstDash val="solid"/>
+                      <a:round/>
+                      <a:headEnd type="none" w="med" len="med"/>
+                      <a:tailEnd type="none" w="med" len="med"/>
+                    </a:lnL>
+                    <a:lnR w="12700" cap="flat" cmpd="sng" algn="ctr">
+                      <a:solidFill>
+                        <a:schemeClr val="tx1"/>
+                      </a:solidFill>
+                      <a:prstDash val="solid"/>
+                      <a:round/>
+                      <a:headEnd type="none" w="med" len="med"/>
+                      <a:tailEnd type="none" w="med" len="med"/>
+                    </a:lnR>
+                    <a:lnT w="12700" cap="flat" cmpd="sng" algn="ctr">
+                      <a:solidFill>
+                        <a:schemeClr val="tx1"/>
+                      </a:solidFill>
+                      <a:prstDash val="solid"/>
+                      <a:round/>
+                      <a:headEnd type="none" w="med" len="med"/>
+                      <a:tailEnd type="none" w="med" len="med"/>
+                    </a:lnT>
+                    <a:lnB w="12700" cap="flat" cmpd="sng" algn="ctr">
+                      <a:solidFill>
+                        <a:schemeClr val="tx1"/>
+                      </a:solidFill>
+                      <a:prstDash val="solid"/>
+                      <a:round/>
+                      <a:headEnd type="none" w="med" len="med"/>
+                      <a:tailEnd type="none" w="med" len="med"/>
+                    </a:lnB>
+                    <a:solidFill>
+                      <a:schemeClr val="tx1">
+                        <a:lumMod val="50000"/>
+                        <a:lumOff val="50000"/>
+                      </a:schemeClr>
+                    </a:solidFill>
+                  </a:tcPr>
+                </a:tc>
+                <a:extLst>
+                  <a:ext uri="{0D108BD9-81ED-4DB2-BD59-A6C34878D82A}">
+                    <a16:rowId xmlns:a16="http://schemas.microsoft.com/office/drawing/2014/main" val="1027363210"/>
+                  </a:ext>
+                </a:extLst>
+              </a:tr>
+            </a:tbl>
+          </a:graphicData>
+        </a:graphic>
+      </p:graphicFrame>
+      <p:sp>
+        <p:nvSpPr>
+          <p:cNvPr id="26" name="文本框 25">
+            <a:extLst>
+              <a:ext uri="{FF2B5EF4-FFF2-40B4-BE49-F238E27FC236}">
+                <a16:creationId xmlns:a16="http://schemas.microsoft.com/office/drawing/2014/main" id="{FA5C33C6-4E6F-7D40-AB53-E887CF8E3742}"/>
+              </a:ext>
+            </a:extLst>
+          </p:cNvPr>
+          <p:cNvSpPr txBox="1"/>
+          <p:nvPr/>
+        </p:nvSpPr>
+        <p:spPr>
+          <a:xfrm>
+            <a:off x="5047184" y="2649013"/>
+            <a:ext cx="570990" cy="369332"/>
+          </a:xfrm>
+          <a:prstGeom prst="rect">
+            <a:avLst/>
+          </a:prstGeom>
+          <a:noFill/>
+        </p:spPr>
+        <p:txBody>
+          <a:bodyPr wrap="none" rtlCol="0">
+            <a:spAutoFit/>
+          </a:bodyPr>
+          <a:lstStyle/>
+          <a:p>
+            <a:r>
+              <a:rPr kumimoji="1" lang="en-US" altLang="zh-CN" dirty="0"/>
+              <a:t>…</a:t>
+            </a:r>
+            <a:r>
+              <a:rPr kumimoji="1" lang="zh-CN" altLang="en-US" dirty="0"/>
+              <a:t> </a:t>
+            </a:r>
+            <a:r>
+              <a:rPr kumimoji="1" lang="en-US" altLang="zh-CN" dirty="0"/>
+              <a:t>…</a:t>
+            </a:r>
+            <a:endParaRPr kumimoji="1" lang="zh-CN" altLang="en-US" dirty="0"/>
+          </a:p>
+        </p:txBody>
+      </p:sp>
+      <p:graphicFrame>
+        <p:nvGraphicFramePr>
+          <p:cNvPr id="27" name="表格 26">
+            <a:extLst>
+              <a:ext uri="{FF2B5EF4-FFF2-40B4-BE49-F238E27FC236}">
+                <a16:creationId xmlns:a16="http://schemas.microsoft.com/office/drawing/2014/main" id="{D0E7CDC2-A295-1648-8223-762952062866}"/>
+              </a:ext>
+            </a:extLst>
+          </p:cNvPr>
+          <p:cNvGraphicFramePr>
+            <a:graphicFrameLocks noGrp="1"/>
+          </p:cNvGraphicFramePr>
+          <p:nvPr>
+            <p:extLst>
+              <p:ext uri="{D42A27DB-BD31-4B8C-83A1-F6EECF244321}">
+                <p14:modId xmlns:p14="http://schemas.microsoft.com/office/powerpoint/2010/main" val="2702089141"/>
+              </p:ext>
+            </p:extLst>
+          </p:nvPr>
+        </p:nvGraphicFramePr>
+        <p:xfrm>
+          <a:off x="2193072" y="3685954"/>
+          <a:ext cx="4154484" cy="370840"/>
+        </p:xfrm>
+        <a:graphic>
+          <a:graphicData uri="http://schemas.openxmlformats.org/drawingml/2006/table">
+            <a:tbl>
+              <a:tblPr firstRow="1" bandRow="1">
+                <a:tableStyleId>{5C22544A-7EE6-4342-B048-85BDC9FD1C3A}</a:tableStyleId>
+              </a:tblPr>
+              <a:tblGrid>
+                <a:gridCol w="1038621">
+                  <a:extLst>
+                    <a:ext uri="{9D8B030D-6E8A-4147-A177-3AD203B41FA5}">
+                      <a16:colId xmlns:a16="http://schemas.microsoft.com/office/drawing/2014/main" val="3113886429"/>
+                    </a:ext>
+                  </a:extLst>
+                </a:gridCol>
+                <a:gridCol w="1038621">
+                  <a:extLst>
+                    <a:ext uri="{9D8B030D-6E8A-4147-A177-3AD203B41FA5}">
+                      <a16:colId xmlns:a16="http://schemas.microsoft.com/office/drawing/2014/main" val="1588706141"/>
+                    </a:ext>
+                  </a:extLst>
+                </a:gridCol>
+                <a:gridCol w="1038621">
+                  <a:extLst>
+                    <a:ext uri="{9D8B030D-6E8A-4147-A177-3AD203B41FA5}">
+                      <a16:colId xmlns:a16="http://schemas.microsoft.com/office/drawing/2014/main" val="3593745699"/>
+                    </a:ext>
+                  </a:extLst>
+                </a:gridCol>
+                <a:gridCol w="1038621">
+                  <a:extLst>
+                    <a:ext uri="{9D8B030D-6E8A-4147-A177-3AD203B41FA5}">
+                      <a16:colId xmlns:a16="http://schemas.microsoft.com/office/drawing/2014/main" val="3516075340"/>
+                    </a:ext>
+                  </a:extLst>
+                </a:gridCol>
+              </a:tblGrid>
+              <a:tr h="370840">
+                <a:tc>
+                  <a:txBody>
+                    <a:bodyPr/>
+                    <a:lstStyle/>
+                    <a:p>
+                      <a:pPr algn="ctr"/>
+                      <a:r>
+                        <a:rPr lang="en-US" altLang="zh-CN" sz="1200" b="1" i="0" dirty="0">
+                          <a:solidFill>
+                            <a:schemeClr val="tx1"/>
+                          </a:solidFill>
+                        </a:rPr>
+                        <a:t>Min</a:t>
+                      </a:r>
+                      <a:endParaRPr lang="zh-CN" altLang="en-US" sz="1200" b="0" i="0" dirty="0">
+                        <a:solidFill>
+                          <a:schemeClr val="tx1"/>
+                        </a:solidFill>
+                      </a:endParaRPr>
+                    </a:p>
+                  </a:txBody>
+                  <a:tcPr anchor="ctr">
+                    <a:lnL w="12700" cap="flat" cmpd="sng" algn="ctr">
+                      <a:solidFill>
+                        <a:schemeClr val="tx1"/>
+                      </a:solidFill>
+                      <a:prstDash val="solid"/>
+                      <a:round/>
+                      <a:headEnd type="none" w="med" len="med"/>
+                      <a:tailEnd type="none" w="med" len="med"/>
+                    </a:lnL>
+                    <a:lnR w="12700" cap="flat" cmpd="sng" algn="ctr">
+                      <a:solidFill>
+                        <a:schemeClr val="tx1"/>
+                      </a:solidFill>
+                      <a:prstDash val="solid"/>
+                      <a:round/>
+                      <a:headEnd type="none" w="med" len="med"/>
+                      <a:tailEnd type="none" w="med" len="med"/>
+                    </a:lnR>
+                    <a:lnT w="12700" cap="flat" cmpd="sng" algn="ctr">
+                      <a:solidFill>
+                        <a:schemeClr val="tx1"/>
+                      </a:solidFill>
+                      <a:prstDash val="solid"/>
+                      <a:round/>
+                      <a:headEnd type="none" w="med" len="med"/>
+                      <a:tailEnd type="none" w="med" len="med"/>
+                    </a:lnT>
+                    <a:lnB w="12700" cap="flat" cmpd="sng" algn="ctr">
+                      <a:solidFill>
+                        <a:schemeClr val="tx1"/>
+                      </a:solidFill>
+                      <a:prstDash val="solid"/>
+                      <a:round/>
+                      <a:headEnd type="none" w="med" len="med"/>
+                      <a:tailEnd type="none" w="med" len="med"/>
+                    </a:lnB>
+                    <a:solidFill>
+                      <a:schemeClr val="bg1"/>
+                    </a:solidFill>
+                  </a:tcPr>
+                </a:tc>
+                <a:tc>
+                  <a:txBody>
+                    <a:bodyPr/>
+                    <a:lstStyle/>
+                    <a:p>
+                      <a:pPr algn="ctr"/>
+                      <a:r>
+                        <a:rPr lang="en-US" altLang="zh-CN" sz="1200" b="1" i="0" dirty="0">
+                          <a:solidFill>
+                            <a:schemeClr val="tx1"/>
+                          </a:solidFill>
+                        </a:rPr>
+                        <a:t>AvgInc</a:t>
+                      </a:r>
+                      <a:endParaRPr lang="zh-CN" altLang="en-US" sz="1200" b="1" i="0" dirty="0">
+                        <a:solidFill>
+                          <a:schemeClr val="tx1"/>
+                        </a:solidFill>
+                      </a:endParaRPr>
+                    </a:p>
+                  </a:txBody>
+                  <a:tcPr anchor="ctr">
+                    <a:lnL w="12700" cap="flat" cmpd="sng" algn="ctr">
+                      <a:solidFill>
+                        <a:schemeClr val="tx1"/>
+                      </a:solidFill>
+                      <a:prstDash val="solid"/>
+                      <a:round/>
+                      <a:headEnd type="none" w="med" len="med"/>
+                      <a:tailEnd type="none" w="med" len="med"/>
+                    </a:lnL>
+                    <a:lnR w="12700" cap="flat" cmpd="sng" algn="ctr">
+                      <a:solidFill>
+                        <a:schemeClr val="tx1"/>
+                      </a:solidFill>
+                      <a:prstDash val="solid"/>
+                      <a:round/>
+                      <a:headEnd type="none" w="med" len="med"/>
+                      <a:tailEnd type="none" w="med" len="med"/>
+                    </a:lnR>
+                    <a:lnT w="12700" cap="flat" cmpd="sng" algn="ctr">
+                      <a:solidFill>
+                        <a:schemeClr val="tx1"/>
+                      </a:solidFill>
+                      <a:prstDash val="solid"/>
+                      <a:round/>
+                      <a:headEnd type="none" w="med" len="med"/>
+                      <a:tailEnd type="none" w="med" len="med"/>
+                    </a:lnT>
+                    <a:lnB w="12700" cap="flat" cmpd="sng" algn="ctr">
+                      <a:solidFill>
+                        <a:schemeClr val="tx1"/>
+                      </a:solidFill>
+                      <a:prstDash val="solid"/>
+                      <a:round/>
+                      <a:headEnd type="none" w="med" len="med"/>
+                      <a:tailEnd type="none" w="med" len="med"/>
+                    </a:lnB>
+                    <a:solidFill>
+                      <a:schemeClr val="bg1"/>
+                    </a:solidFill>
+                  </a:tcPr>
+                </a:tc>
+                <a:tc>
+                  <a:txBody>
+                    <a:bodyPr/>
+                    <a:lstStyle/>
+                    <a:p>
+                      <a:pPr algn="ctr"/>
+                      <a:r>
+                        <a:rPr lang="en-US" altLang="zh-CN" sz="1200" b="1" i="0" dirty="0">
+                          <a:solidFill>
+                            <a:schemeClr val="tx1"/>
+                          </a:solidFill>
+                        </a:rPr>
+                        <a:t>Length</a:t>
+                      </a:r>
+                      <a:endParaRPr lang="zh-CN" altLang="en-US" sz="1200" b="1" i="0" dirty="0">
+                        <a:solidFill>
+                          <a:schemeClr val="tx1"/>
+                        </a:solidFill>
+                      </a:endParaRPr>
+                    </a:p>
+                  </a:txBody>
+                  <a:tcPr anchor="ctr">
+                    <a:lnL w="12700" cap="flat" cmpd="sng" algn="ctr">
+                      <a:solidFill>
+                        <a:schemeClr val="tx1"/>
+                      </a:solidFill>
+                      <a:prstDash val="solid"/>
+                      <a:round/>
+                      <a:headEnd type="none" w="med" len="med"/>
+                      <a:tailEnd type="none" w="med" len="med"/>
+                    </a:lnL>
+                    <a:lnR w="12700" cap="flat" cmpd="sng" algn="ctr">
+                      <a:solidFill>
+                        <a:schemeClr val="tx1"/>
+                      </a:solidFill>
+                      <a:prstDash val="solid"/>
+                      <a:round/>
+                      <a:headEnd type="none" w="med" len="med"/>
+                      <a:tailEnd type="none" w="med" len="med"/>
+                    </a:lnR>
+                    <a:lnT w="12700" cap="flat" cmpd="sng" algn="ctr">
+                      <a:solidFill>
+                        <a:schemeClr val="tx1"/>
+                      </a:solidFill>
+                      <a:prstDash val="solid"/>
+                      <a:round/>
+                      <a:headEnd type="none" w="med" len="med"/>
+                      <a:tailEnd type="none" w="med" len="med"/>
+                    </a:lnT>
+                    <a:lnB w="12700" cap="flat" cmpd="sng" algn="ctr">
+                      <a:solidFill>
+                        <a:schemeClr val="tx1"/>
+                      </a:solidFill>
+                      <a:prstDash val="solid"/>
+                      <a:round/>
+                      <a:headEnd type="none" w="med" len="med"/>
+                      <a:tailEnd type="none" w="med" len="med"/>
+                    </a:lnB>
+                    <a:solidFill>
+                      <a:schemeClr val="bg1"/>
+                    </a:solidFill>
+                  </a:tcPr>
+                </a:tc>
+                <a:tc>
+                  <a:txBody>
+                    <a:bodyPr/>
+                    <a:lstStyle/>
+                    <a:p>
+                      <a:pPr algn="ctr"/>
+                      <a:r>
+                        <a:rPr lang="en-US" altLang="zh-CN" sz="1200" b="1" i="0" dirty="0">
+                          <a:solidFill>
+                            <a:schemeClr val="tx1"/>
+                          </a:solidFill>
+                        </a:rPr>
+                        <a:t>BitRequired</a:t>
+                      </a:r>
+                      <a:endParaRPr lang="zh-CN" altLang="en-US" sz="1200" b="1" i="0" dirty="0">
+                        <a:solidFill>
+                          <a:schemeClr val="tx1"/>
+                        </a:solidFill>
+                      </a:endParaRPr>
+                    </a:p>
+                  </a:txBody>
+                  <a:tcPr anchor="ctr">
+                    <a:lnL w="12700" cap="flat" cmpd="sng" algn="ctr">
+                      <a:solidFill>
+                        <a:schemeClr val="tx1"/>
+                      </a:solidFill>
+                      <a:prstDash val="solid"/>
+                      <a:round/>
+                      <a:headEnd type="none" w="med" len="med"/>
+                      <a:tailEnd type="none" w="med" len="med"/>
+                    </a:lnL>
+                    <a:lnR w="12700" cap="flat" cmpd="sng" algn="ctr">
+                      <a:solidFill>
+                        <a:schemeClr val="tx1"/>
+                      </a:solidFill>
+                      <a:prstDash val="solid"/>
+                      <a:round/>
+                      <a:headEnd type="none" w="med" len="med"/>
+                      <a:tailEnd type="none" w="med" len="med"/>
+                    </a:lnR>
+                    <a:lnT w="12700" cap="flat" cmpd="sng" algn="ctr">
+                      <a:solidFill>
+                        <a:schemeClr val="tx1"/>
+                      </a:solidFill>
+                      <a:prstDash val="solid"/>
+                      <a:round/>
+                      <a:headEnd type="none" w="med" len="med"/>
+                      <a:tailEnd type="none" w="med" len="med"/>
+                    </a:lnT>
+                    <a:lnB w="12700" cap="flat" cmpd="sng" algn="ctr">
+                      <a:solidFill>
+                        <a:schemeClr val="tx1"/>
+                      </a:solidFill>
+                      <a:prstDash val="solid"/>
+                      <a:round/>
+                      <a:headEnd type="none" w="med" len="med"/>
+                      <a:tailEnd type="none" w="med" len="med"/>
+                    </a:lnB>
+                    <a:solidFill>
+                      <a:schemeClr val="bg1"/>
+                    </a:solidFill>
+                  </a:tcPr>
+                </a:tc>
+                <a:extLst>
+                  <a:ext uri="{0D108BD9-81ED-4DB2-BD59-A6C34878D82A}">
+                    <a16:rowId xmlns:a16="http://schemas.microsoft.com/office/drawing/2014/main" val="1027363210"/>
+                  </a:ext>
+                </a:extLst>
+              </a:tr>
+            </a:tbl>
+          </a:graphicData>
+        </a:graphic>
+      </p:graphicFrame>
+      <p:cxnSp>
+        <p:nvCxnSpPr>
+          <p:cNvPr id="28" name="直线连接符 27">
+            <a:extLst>
+              <a:ext uri="{FF2B5EF4-FFF2-40B4-BE49-F238E27FC236}">
+                <a16:creationId xmlns:a16="http://schemas.microsoft.com/office/drawing/2014/main" id="{F322052E-DA29-E440-9F79-AD581102983C}"/>
+              </a:ext>
+            </a:extLst>
+          </p:cNvPr>
+          <p:cNvCxnSpPr>
+            <a:cxnSpLocks/>
+          </p:cNvCxnSpPr>
+          <p:nvPr/>
+        </p:nvCxnSpPr>
+        <p:spPr>
+          <a:xfrm flipH="1">
+            <a:off x="2193072" y="3032524"/>
+            <a:ext cx="1603691" cy="653430"/>
+          </a:xfrm>
+          <a:prstGeom prst="line">
+            <a:avLst/>
+          </a:prstGeom>
+        </p:spPr>
+        <p:style>
+          <a:lnRef idx="1">
+            <a:schemeClr val="accent1"/>
+          </a:lnRef>
+          <a:fillRef idx="0">
+            <a:schemeClr val="accent1"/>
+          </a:fillRef>
+          <a:effectRef idx="0">
+            <a:schemeClr val="accent1"/>
+          </a:effectRef>
+          <a:fontRef idx="minor">
+            <a:schemeClr val="tx1"/>
+          </a:fontRef>
+        </p:style>
+      </p:cxnSp>
+      <p:cxnSp>
+        <p:nvCxnSpPr>
+          <p:cNvPr id="37" name="直线连接符 36">
+            <a:extLst>
+              <a:ext uri="{FF2B5EF4-FFF2-40B4-BE49-F238E27FC236}">
+                <a16:creationId xmlns:a16="http://schemas.microsoft.com/office/drawing/2014/main" id="{B19FCEA4-99E5-E24A-A2B6-A8F85FD5EAB1}"/>
+              </a:ext>
+            </a:extLst>
+          </p:cNvPr>
+          <p:cNvCxnSpPr>
+            <a:cxnSpLocks/>
+          </p:cNvCxnSpPr>
+          <p:nvPr/>
+        </p:nvCxnSpPr>
+        <p:spPr>
+          <a:xfrm>
+            <a:off x="5047184" y="3032524"/>
             <a:ext cx="1300372" cy="639251"/>
           </a:xfrm>
           <a:prstGeom prst="line">
